--- a/Week1/CS 687 Capstone Presentation Template.pptx
+++ b/Week1/CS 687 Capstone Presentation Template.pptx
@@ -5,7 +5,7 @@
     <p:sldMasterId id="2147483657" r:id="rId1"/>
   </p:sldMasterIdLst>
   <p:notesMasterIdLst>
-    <p:notesMasterId r:id="rId8"/>
+    <p:notesMasterId r:id="rId11"/>
   </p:notesMasterIdLst>
   <p:sldIdLst>
     <p:sldId id="256" r:id="rId2"/>
@@ -13,7 +13,10 @@
     <p:sldId id="275" r:id="rId4"/>
     <p:sldId id="278" r:id="rId5"/>
     <p:sldId id="277" r:id="rId6"/>
-    <p:sldId id="276" r:id="rId7"/>
+    <p:sldId id="282" r:id="rId7"/>
+    <p:sldId id="281" r:id="rId8"/>
+    <p:sldId id="280" r:id="rId9"/>
+    <p:sldId id="276" r:id="rId10"/>
   </p:sldIdLst>
   <p:sldSz cx="9144000" cy="5143500" type="screen16x9"/>
   <p:notesSz cx="6858000" cy="9144000"/>
@@ -5170,6 +5173,572 @@
       </p:grpSpPr>
       <p:sp>
         <p:nvSpPr>
+          <p:cNvPr id="2" name="Title 1">
+            <a:extLst>
+              <a:ext uri="{FF2B5EF4-FFF2-40B4-BE49-F238E27FC236}">
+                <a16:creationId xmlns:a16="http://schemas.microsoft.com/office/drawing/2014/main" id="{97195F9F-46F0-B5C3-0AC9-1BB3AEAAB62F}"/>
+              </a:ext>
+            </a:extLst>
+          </p:cNvPr>
+          <p:cNvSpPr>
+            <a:spLocks noGrp="1"/>
+          </p:cNvSpPr>
+          <p:nvPr>
+            <p:ph type="title"/>
+          </p:nvPr>
+        </p:nvSpPr>
+        <p:spPr/>
+        <p:txBody>
+          <a:bodyPr/>
+          <a:lstStyle/>
+          <a:p>
+            <a:r>
+              <a:rPr lang="en-US" dirty="0"/>
+              <a:t>Key References</a:t>
+            </a:r>
+          </a:p>
+        </p:txBody>
+      </p:sp>
+      <p:sp>
+        <p:nvSpPr>
+          <p:cNvPr id="3" name="Text Placeholder 2">
+            <a:extLst>
+              <a:ext uri="{FF2B5EF4-FFF2-40B4-BE49-F238E27FC236}">
+                <a16:creationId xmlns:a16="http://schemas.microsoft.com/office/drawing/2014/main" id="{A4201B05-64A8-70B2-79E4-B3B3BBB07C43}"/>
+              </a:ext>
+            </a:extLst>
+          </p:cNvPr>
+          <p:cNvSpPr>
+            <a:spLocks noGrp="1"/>
+          </p:cNvSpPr>
+          <p:nvPr>
+            <p:ph type="body" idx="1"/>
+          </p:nvPr>
+        </p:nvSpPr>
+        <p:spPr/>
+        <p:txBody>
+          <a:bodyPr/>
+          <a:lstStyle/>
+          <a:p>
+            <a:r>
+              <a:rPr lang="en-US" sz="1400" b="0" dirty="0" err="1">
+                <a:effectLst/>
+                <a:latin typeface="Verdana" panose="020B0604030504040204" pitchFamily="34" charset="0"/>
+              </a:rPr>
+              <a:t>Muludi</a:t>
+            </a:r>
+            <a:r>
+              <a:rPr lang="en-US" sz="1400" b="0" dirty="0">
+                <a:effectLst/>
+                <a:latin typeface="Verdana" panose="020B0604030504040204" pitchFamily="34" charset="0"/>
+              </a:rPr>
+              <a:t>, K., Fitria, K. M., </a:t>
+            </a:r>
+            <a:r>
+              <a:rPr lang="en-US" sz="1400" b="0" dirty="0" err="1">
+                <a:effectLst/>
+                <a:latin typeface="Verdana" panose="020B0604030504040204" pitchFamily="34" charset="0"/>
+              </a:rPr>
+              <a:t>Triloka</a:t>
+            </a:r>
+            <a:r>
+              <a:rPr lang="en-US" sz="1400" b="0" dirty="0">
+                <a:effectLst/>
+                <a:latin typeface="Verdana" panose="020B0604030504040204" pitchFamily="34" charset="0"/>
+              </a:rPr>
+              <a:t>, J., &amp; </a:t>
+            </a:r>
+            <a:r>
+              <a:rPr lang="en-US" sz="1400" b="0" dirty="0" err="1">
+                <a:effectLst/>
+                <a:latin typeface="Verdana" panose="020B0604030504040204" pitchFamily="34" charset="0"/>
+              </a:rPr>
+              <a:t>Sutedi</a:t>
+            </a:r>
+            <a:r>
+              <a:rPr lang="en-US" sz="1400" b="0" dirty="0">
+                <a:effectLst/>
+                <a:latin typeface="Verdana" panose="020B0604030504040204" pitchFamily="34" charset="0"/>
+              </a:rPr>
+              <a:t>. (2024). Retrieval-Augmented Generation Approach: Document Question Answering using Large Language Model. International Journal of Advanced Computer Science and Applications (IJACSA), 15(3), 776-785. </a:t>
+            </a:r>
+            <a:r>
+              <a:rPr lang="en-US" sz="1400" b="0" u="sng" dirty="0">
+                <a:solidFill>
+                  <a:srgbClr val="0000FF"/>
+                </a:solidFill>
+                <a:effectLst/>
+                <a:latin typeface="Verdana" panose="020B0604030504040204" pitchFamily="34" charset="0"/>
+                <a:hlinkClick r:id="rId2"/>
+              </a:rPr>
+              <a:t>https://doi.org/10.14569/IJACSA.2024.0150324</a:t>
+            </a:r>
+            <a:endParaRPr lang="en-US" sz="1400" b="1" dirty="0">
+              <a:effectLst/>
+              <a:latin typeface="Times New Roman" panose="02020603050405020304" pitchFamily="18" charset="0"/>
+            </a:endParaRPr>
+          </a:p>
+          <a:p>
+            <a:r>
+              <a:rPr lang="en-US" sz="1400" b="0" dirty="0" err="1">
+                <a:effectLst/>
+                <a:latin typeface="Verdana" panose="020B0604030504040204" pitchFamily="34" charset="0"/>
+              </a:rPr>
+              <a:t>Oshin</a:t>
+            </a:r>
+            <a:r>
+              <a:rPr lang="en-US" sz="1400" b="0" dirty="0">
+                <a:effectLst/>
+                <a:latin typeface="Verdana" panose="020B0604030504040204" pitchFamily="34" charset="0"/>
+              </a:rPr>
+              <a:t>, M., &amp; Campos, N. (2024). Learning </a:t>
+            </a:r>
+            <a:r>
+              <a:rPr lang="en-US" sz="1400" b="0" dirty="0" err="1">
+                <a:effectLst/>
+                <a:latin typeface="Verdana" panose="020B0604030504040204" pitchFamily="34" charset="0"/>
+              </a:rPr>
+              <a:t>LangChain</a:t>
+            </a:r>
+            <a:r>
+              <a:rPr lang="en-US" sz="1400" b="0" dirty="0">
+                <a:effectLst/>
+                <a:latin typeface="Verdana" panose="020B0604030504040204" pitchFamily="34" charset="0"/>
+              </a:rPr>
+              <a:t>: Build an AI Chatbot Trained on Your Data. O'Reilly Media.</a:t>
+            </a:r>
+            <a:endParaRPr lang="en-US" sz="1400" b="1" dirty="0">
+              <a:effectLst/>
+              <a:latin typeface="Times New Roman" panose="02020603050405020304" pitchFamily="18" charset="0"/>
+            </a:endParaRPr>
+          </a:p>
+          <a:p>
+            <a:endParaRPr lang="en-US" sz="1400" dirty="0"/>
+          </a:p>
+        </p:txBody>
+      </p:sp>
+      <p:sp>
+        <p:nvSpPr>
+          <p:cNvPr id="4" name="Slide Number Placeholder 3">
+            <a:extLst>
+              <a:ext uri="{FF2B5EF4-FFF2-40B4-BE49-F238E27FC236}">
+                <a16:creationId xmlns:a16="http://schemas.microsoft.com/office/drawing/2014/main" id="{DB9983E3-136A-C135-59BF-F7A2785A087D}"/>
+              </a:ext>
+            </a:extLst>
+          </p:cNvPr>
+          <p:cNvSpPr>
+            <a:spLocks noGrp="1"/>
+          </p:cNvSpPr>
+          <p:nvPr>
+            <p:ph type="sldNum" idx="12"/>
+          </p:nvPr>
+        </p:nvSpPr>
+        <p:spPr/>
+        <p:txBody>
+          <a:bodyPr/>
+          <a:lstStyle/>
+          <a:p>
+            <a:pPr marL="0" lvl="0" indent="0" algn="r" rtl="0">
+              <a:spcBef>
+                <a:spcPts val="0"/>
+              </a:spcBef>
+              <a:spcAft>
+                <a:spcPts val="0"/>
+              </a:spcAft>
+              <a:buNone/>
+            </a:pPr>
+            <a:fld id="{00000000-1234-1234-1234-123412341234}" type="slidenum">
+              <a:rPr lang="en" smtClean="0"/>
+              <a:t>6</a:t>
+            </a:fld>
+            <a:endParaRPr lang="en"/>
+          </a:p>
+        </p:txBody>
+      </p:sp>
+    </p:spTree>
+    <p:extLst>
+      <p:ext uri="{BB962C8B-B14F-4D97-AF65-F5344CB8AC3E}">
+        <p14:creationId xmlns:p14="http://schemas.microsoft.com/office/powerpoint/2010/main" val="3080935024"/>
+      </p:ext>
+    </p:extLst>
+  </p:cSld>
+  <p:clrMapOvr>
+    <a:masterClrMapping/>
+  </p:clrMapOvr>
+</p:sld>
+</file>
+
+<file path=ppt/slides/slide7.xml><?xml version="1.0" encoding="utf-8"?>
+<p:sld xmlns:a="http://schemas.openxmlformats.org/drawingml/2006/main" xmlns:r="http://schemas.openxmlformats.org/officeDocument/2006/relationships" xmlns:p="http://schemas.openxmlformats.org/presentationml/2006/main">
+  <p:cSld>
+    <p:spTree>
+      <p:nvGrpSpPr>
+        <p:cNvPr id="1" name=""/>
+        <p:cNvGrpSpPr/>
+        <p:nvPr/>
+      </p:nvGrpSpPr>
+      <p:grpSpPr>
+        <a:xfrm>
+          <a:off x="0" y="0"/>
+          <a:ext cx="0" cy="0"/>
+          <a:chOff x="0" y="0"/>
+          <a:chExt cx="0" cy="0"/>
+        </a:xfrm>
+      </p:grpSpPr>
+      <p:sp>
+        <p:nvSpPr>
+          <p:cNvPr id="2" name="Title 1">
+            <a:extLst>
+              <a:ext uri="{FF2B5EF4-FFF2-40B4-BE49-F238E27FC236}">
+                <a16:creationId xmlns:a16="http://schemas.microsoft.com/office/drawing/2014/main" id="{C8CA4AD6-6B00-A8D5-7AF0-7A77AB5DD6A9}"/>
+              </a:ext>
+            </a:extLst>
+          </p:cNvPr>
+          <p:cNvSpPr>
+            <a:spLocks noGrp="1"/>
+          </p:cNvSpPr>
+          <p:nvPr>
+            <p:ph type="title"/>
+          </p:nvPr>
+        </p:nvSpPr>
+        <p:spPr/>
+        <p:txBody>
+          <a:bodyPr/>
+          <a:lstStyle/>
+          <a:p>
+            <a:r>
+              <a:rPr lang="en-US" dirty="0"/>
+              <a:t>Key References</a:t>
+            </a:r>
+          </a:p>
+        </p:txBody>
+      </p:sp>
+      <p:sp>
+        <p:nvSpPr>
+          <p:cNvPr id="3" name="Text Placeholder 2">
+            <a:extLst>
+              <a:ext uri="{FF2B5EF4-FFF2-40B4-BE49-F238E27FC236}">
+                <a16:creationId xmlns:a16="http://schemas.microsoft.com/office/drawing/2014/main" id="{3E84929F-817A-AABF-B5F4-86E67ACA1E37}"/>
+              </a:ext>
+            </a:extLst>
+          </p:cNvPr>
+          <p:cNvSpPr>
+            <a:spLocks noGrp="1"/>
+          </p:cNvSpPr>
+          <p:nvPr>
+            <p:ph type="body" idx="1"/>
+          </p:nvPr>
+        </p:nvSpPr>
+        <p:spPr/>
+        <p:txBody>
+          <a:bodyPr/>
+          <a:lstStyle/>
+          <a:p>
+            <a:r>
+              <a:rPr lang="en-US" sz="1800" b="0" dirty="0">
+                <a:effectLst/>
+                <a:latin typeface="Verdana" panose="020B0604030504040204" pitchFamily="34" charset="0"/>
+              </a:rPr>
+              <a:t>OpenAI. (2023, March 15). Exploring RAG: Retrieval-Augmented Generation for NLP [Video]. YouTube. </a:t>
+            </a:r>
+            <a:r>
+              <a:rPr lang="en-US" sz="1800" b="0" u="sng" dirty="0">
+                <a:solidFill>
+                  <a:srgbClr val="0000FF"/>
+                </a:solidFill>
+                <a:effectLst/>
+                <a:latin typeface="Verdana" panose="020B0604030504040204" pitchFamily="34" charset="0"/>
+                <a:hlinkClick r:id="rId2"/>
+              </a:rPr>
+              <a:t>https://www.youtube.com/watch?v=KSbxwbLkhCQ</a:t>
+            </a:r>
+            <a:endParaRPr lang="en-US" sz="1800" b="1" dirty="0">
+              <a:effectLst/>
+              <a:latin typeface="Times New Roman" panose="02020603050405020304" pitchFamily="18" charset="0"/>
+            </a:endParaRPr>
+          </a:p>
+          <a:p>
+            <a:r>
+              <a:rPr lang="en-US" sz="1800" b="0" dirty="0">
+                <a:effectLst/>
+                <a:latin typeface="Verdana" panose="020B0604030504040204" pitchFamily="34" charset="0"/>
+              </a:rPr>
+              <a:t>Mehul, J. (2023, January 13). RAG Part 4: Indexing. Medium. </a:t>
+            </a:r>
+            <a:r>
+              <a:rPr lang="en-US" sz="1800" b="0" u="sng" dirty="0">
+                <a:solidFill>
+                  <a:srgbClr val="0000FF"/>
+                </a:solidFill>
+                <a:effectLst/>
+                <a:latin typeface="Verdana" panose="020B0604030504040204" pitchFamily="34" charset="0"/>
+                <a:hlinkClick r:id="rId3"/>
+              </a:rPr>
+              <a:t>https://medium.com/@j13mehul/rag-part-4-indexing-1985f4000f72</a:t>
+            </a:r>
+            <a:endParaRPr lang="en-US" sz="1800" b="1" dirty="0">
+              <a:effectLst/>
+              <a:latin typeface="Times New Roman" panose="02020603050405020304" pitchFamily="18" charset="0"/>
+            </a:endParaRPr>
+          </a:p>
+          <a:p>
+            <a:endParaRPr lang="en-US" dirty="0"/>
+          </a:p>
+        </p:txBody>
+      </p:sp>
+      <p:sp>
+        <p:nvSpPr>
+          <p:cNvPr id="4" name="Slide Number Placeholder 3">
+            <a:extLst>
+              <a:ext uri="{FF2B5EF4-FFF2-40B4-BE49-F238E27FC236}">
+                <a16:creationId xmlns:a16="http://schemas.microsoft.com/office/drawing/2014/main" id="{67131539-0C86-22F6-B6F5-B3AE3F8FADB3}"/>
+              </a:ext>
+            </a:extLst>
+          </p:cNvPr>
+          <p:cNvSpPr>
+            <a:spLocks noGrp="1"/>
+          </p:cNvSpPr>
+          <p:nvPr>
+            <p:ph type="sldNum" idx="12"/>
+          </p:nvPr>
+        </p:nvSpPr>
+        <p:spPr/>
+        <p:txBody>
+          <a:bodyPr/>
+          <a:lstStyle/>
+          <a:p>
+            <a:pPr marL="0" lvl="0" indent="0" algn="r" rtl="0">
+              <a:spcBef>
+                <a:spcPts val="0"/>
+              </a:spcBef>
+              <a:spcAft>
+                <a:spcPts val="0"/>
+              </a:spcAft>
+              <a:buNone/>
+            </a:pPr>
+            <a:fld id="{00000000-1234-1234-1234-123412341234}" type="slidenum">
+              <a:rPr lang="en" smtClean="0"/>
+              <a:t>7</a:t>
+            </a:fld>
+            <a:endParaRPr lang="en"/>
+          </a:p>
+        </p:txBody>
+      </p:sp>
+    </p:spTree>
+    <p:extLst>
+      <p:ext uri="{BB962C8B-B14F-4D97-AF65-F5344CB8AC3E}">
+        <p14:creationId xmlns:p14="http://schemas.microsoft.com/office/powerpoint/2010/main" val="3358373749"/>
+      </p:ext>
+    </p:extLst>
+  </p:cSld>
+  <p:clrMapOvr>
+    <a:masterClrMapping/>
+  </p:clrMapOvr>
+</p:sld>
+</file>
+
+<file path=ppt/slides/slide8.xml><?xml version="1.0" encoding="utf-8"?>
+<p:sld xmlns:a="http://schemas.openxmlformats.org/drawingml/2006/main" xmlns:r="http://schemas.openxmlformats.org/officeDocument/2006/relationships" xmlns:p="http://schemas.openxmlformats.org/presentationml/2006/main">
+  <p:cSld>
+    <p:spTree>
+      <p:nvGrpSpPr>
+        <p:cNvPr id="1" name=""/>
+        <p:cNvGrpSpPr/>
+        <p:nvPr/>
+      </p:nvGrpSpPr>
+      <p:grpSpPr>
+        <a:xfrm>
+          <a:off x="0" y="0"/>
+          <a:ext cx="0" cy="0"/>
+          <a:chOff x="0" y="0"/>
+          <a:chExt cx="0" cy="0"/>
+        </a:xfrm>
+      </p:grpSpPr>
+      <p:sp>
+        <p:nvSpPr>
+          <p:cNvPr id="2" name="Title 1">
+            <a:extLst>
+              <a:ext uri="{FF2B5EF4-FFF2-40B4-BE49-F238E27FC236}">
+                <a16:creationId xmlns:a16="http://schemas.microsoft.com/office/drawing/2014/main" id="{C8CA4AD6-6B00-A8D5-7AF0-7A77AB5DD6A9}"/>
+              </a:ext>
+            </a:extLst>
+          </p:cNvPr>
+          <p:cNvSpPr>
+            <a:spLocks noGrp="1"/>
+          </p:cNvSpPr>
+          <p:nvPr>
+            <p:ph type="title"/>
+          </p:nvPr>
+        </p:nvSpPr>
+        <p:spPr/>
+        <p:txBody>
+          <a:bodyPr/>
+          <a:lstStyle/>
+          <a:p>
+            <a:r>
+              <a:rPr lang="en-US" dirty="0"/>
+              <a:t>Key References</a:t>
+            </a:r>
+          </a:p>
+        </p:txBody>
+      </p:sp>
+      <p:sp>
+        <p:nvSpPr>
+          <p:cNvPr id="3" name="Text Placeholder 2">
+            <a:extLst>
+              <a:ext uri="{FF2B5EF4-FFF2-40B4-BE49-F238E27FC236}">
+                <a16:creationId xmlns:a16="http://schemas.microsoft.com/office/drawing/2014/main" id="{3E84929F-817A-AABF-B5F4-86E67ACA1E37}"/>
+              </a:ext>
+            </a:extLst>
+          </p:cNvPr>
+          <p:cNvSpPr>
+            <a:spLocks noGrp="1"/>
+          </p:cNvSpPr>
+          <p:nvPr>
+            <p:ph type="body" idx="1"/>
+          </p:nvPr>
+        </p:nvSpPr>
+        <p:spPr/>
+        <p:txBody>
+          <a:bodyPr/>
+          <a:lstStyle/>
+          <a:p>
+            <a:r>
+              <a:rPr lang="en-US" sz="1800" b="0" dirty="0">
+                <a:effectLst/>
+                <a:latin typeface="Verdana" panose="020B0604030504040204" pitchFamily="34" charset="0"/>
+              </a:rPr>
+              <a:t>Dash, S. (2023, April 1). RAG or Retrieval-Augmented Generation Simplified. Medium. </a:t>
+            </a:r>
+            <a:r>
+              <a:rPr lang="en-US" sz="1800" b="0" u="sng" dirty="0">
+                <a:solidFill>
+                  <a:srgbClr val="0000FF"/>
+                </a:solidFill>
+                <a:effectLst/>
+                <a:latin typeface="Verdana" panose="020B0604030504040204" pitchFamily="34" charset="0"/>
+                <a:hlinkClick r:id="rId2"/>
+              </a:rPr>
+              <a:t>https://medium.com/@shaileydash/rag-or-retrieval-augmented-generation-simplified-5823a9257856</a:t>
+            </a:r>
+            <a:endParaRPr lang="en-US" sz="1800" b="1" dirty="0">
+              <a:effectLst/>
+              <a:latin typeface="Times New Roman" panose="02020603050405020304" pitchFamily="18" charset="0"/>
+            </a:endParaRPr>
+          </a:p>
+          <a:p>
+            <a:r>
+              <a:rPr lang="en-US" sz="1800" b="0" dirty="0">
+                <a:effectLst/>
+                <a:latin typeface="Verdana" panose="020B0604030504040204" pitchFamily="34" charset="0"/>
+              </a:rPr>
+              <a:t>Vanna AI. (2023). Integrating MSSQL with OpenAI Using </a:t>
+            </a:r>
+            <a:r>
+              <a:rPr lang="en-US" sz="1800" b="0" dirty="0" err="1">
+                <a:effectLst/>
+                <a:latin typeface="Verdana" panose="020B0604030504040204" pitchFamily="34" charset="0"/>
+              </a:rPr>
+              <a:t>VannaDB</a:t>
+            </a:r>
+            <a:r>
+              <a:rPr lang="en-US" sz="1800" b="0" dirty="0">
+                <a:effectLst/>
+                <a:latin typeface="Verdana" panose="020B0604030504040204" pitchFamily="34" charset="0"/>
+              </a:rPr>
+              <a:t>. Vanna AI Documentation. </a:t>
+            </a:r>
+            <a:r>
+              <a:rPr lang="en-US" sz="1800" b="0" u="sng" dirty="0">
+                <a:solidFill>
+                  <a:srgbClr val="0000FF"/>
+                </a:solidFill>
+                <a:effectLst/>
+                <a:latin typeface="Verdana" panose="020B0604030504040204" pitchFamily="34" charset="0"/>
+                <a:hlinkClick r:id="rId3"/>
+              </a:rPr>
+              <a:t>https://vanna.ai/docs/mssql-openai-vanna-vannadb/</a:t>
+            </a:r>
+            <a:endParaRPr lang="en-US" sz="1800" b="1" dirty="0">
+              <a:effectLst/>
+              <a:latin typeface="Times New Roman" panose="02020603050405020304" pitchFamily="18" charset="0"/>
+            </a:endParaRPr>
+          </a:p>
+          <a:p>
+            <a:endParaRPr lang="en-US" dirty="0"/>
+          </a:p>
+        </p:txBody>
+      </p:sp>
+      <p:sp>
+        <p:nvSpPr>
+          <p:cNvPr id="4" name="Slide Number Placeholder 3">
+            <a:extLst>
+              <a:ext uri="{FF2B5EF4-FFF2-40B4-BE49-F238E27FC236}">
+                <a16:creationId xmlns:a16="http://schemas.microsoft.com/office/drawing/2014/main" id="{67131539-0C86-22F6-B6F5-B3AE3F8FADB3}"/>
+              </a:ext>
+            </a:extLst>
+          </p:cNvPr>
+          <p:cNvSpPr>
+            <a:spLocks noGrp="1"/>
+          </p:cNvSpPr>
+          <p:nvPr>
+            <p:ph type="sldNum" idx="12"/>
+          </p:nvPr>
+        </p:nvSpPr>
+        <p:spPr/>
+        <p:txBody>
+          <a:bodyPr/>
+          <a:lstStyle/>
+          <a:p>
+            <a:pPr marL="0" lvl="0" indent="0" algn="r" rtl="0">
+              <a:spcBef>
+                <a:spcPts val="0"/>
+              </a:spcBef>
+              <a:spcAft>
+                <a:spcPts val="0"/>
+              </a:spcAft>
+              <a:buNone/>
+            </a:pPr>
+            <a:fld id="{00000000-1234-1234-1234-123412341234}" type="slidenum">
+              <a:rPr lang="en" smtClean="0"/>
+              <a:t>8</a:t>
+            </a:fld>
+            <a:endParaRPr lang="en"/>
+          </a:p>
+        </p:txBody>
+      </p:sp>
+    </p:spTree>
+    <p:extLst>
+      <p:ext uri="{BB962C8B-B14F-4D97-AF65-F5344CB8AC3E}">
+        <p14:creationId xmlns:p14="http://schemas.microsoft.com/office/powerpoint/2010/main" val="1582348089"/>
+      </p:ext>
+    </p:extLst>
+  </p:cSld>
+  <p:clrMapOvr>
+    <a:masterClrMapping/>
+  </p:clrMapOvr>
+</p:sld>
+</file>
+
+<file path=ppt/slides/slide9.xml><?xml version="1.0" encoding="utf-8"?>
+<p:sld xmlns:a="http://schemas.openxmlformats.org/drawingml/2006/main" xmlns:r="http://schemas.openxmlformats.org/officeDocument/2006/relationships" xmlns:p="http://schemas.openxmlformats.org/presentationml/2006/main">
+  <p:cSld>
+    <p:spTree>
+      <p:nvGrpSpPr>
+        <p:cNvPr id="1" name=""/>
+        <p:cNvGrpSpPr/>
+        <p:nvPr/>
+      </p:nvGrpSpPr>
+      <p:grpSpPr>
+        <a:xfrm>
+          <a:off x="0" y="0"/>
+          <a:ext cx="0" cy="0"/>
+          <a:chOff x="0" y="0"/>
+          <a:chExt cx="0" cy="0"/>
+        </a:xfrm>
+      </p:grpSpPr>
+      <p:sp>
+        <p:nvSpPr>
           <p:cNvPr id="2" name="Title 1"/>
           <p:cNvSpPr>
             <a:spLocks noGrp="1"/>
@@ -5264,7 +5833,7 @@
             </a:pPr>
             <a:fld id="{00000000-1234-1234-1234-123412341234}" type="slidenum">
               <a:rPr lang="en" smtClean="0"/>
-              <a:t>6</a:t>
+              <a:t>9</a:t>
             </a:fld>
             <a:endParaRPr lang="en"/>
           </a:p>

--- a/Week1/CS 687 Capstone Presentation Template.pptx
+++ b/Week1/CS 687 Capstone Presentation Template.pptx
@@ -5,7 +5,7 @@
     <p:sldMasterId id="2147483657" r:id="rId1"/>
   </p:sldMasterIdLst>
   <p:notesMasterIdLst>
-    <p:notesMasterId r:id="rId11"/>
+    <p:notesMasterId r:id="rId13"/>
   </p:notesMasterIdLst>
   <p:sldIdLst>
     <p:sldId id="256" r:id="rId2"/>
@@ -13,10 +13,12 @@
     <p:sldId id="275" r:id="rId4"/>
     <p:sldId id="278" r:id="rId5"/>
     <p:sldId id="277" r:id="rId6"/>
-    <p:sldId id="282" r:id="rId7"/>
-    <p:sldId id="281" r:id="rId8"/>
-    <p:sldId id="280" r:id="rId9"/>
-    <p:sldId id="276" r:id="rId10"/>
+    <p:sldId id="283" r:id="rId7"/>
+    <p:sldId id="284" r:id="rId8"/>
+    <p:sldId id="282" r:id="rId9"/>
+    <p:sldId id="281" r:id="rId10"/>
+    <p:sldId id="280" r:id="rId11"/>
+    <p:sldId id="276" r:id="rId12"/>
   </p:sldIdLst>
   <p:sldSz cx="9144000" cy="5143500" type="screen16x9"/>
   <p:notesSz cx="6858000" cy="9144000"/>
@@ -4196,7 +4198,7 @@
                   <a:schemeClr val="bg1"/>
                 </a:solidFill>
               </a:rPr>
-              <a:t>Week 1</a:t>
+              <a:t>Week 3</a:t>
             </a:r>
             <a:endParaRPr lang="en-US" dirty="0">
               <a:solidFill>
@@ -4267,7 +4269,13 @@
       </p:sp>
       <p:pic>
         <p:nvPicPr>
-          <p:cNvPr id="13" name="Picture 12"/>
+          <p:cNvPr id="2" name="Picture 1">
+            <a:extLst>
+              <a:ext uri="{FF2B5EF4-FFF2-40B4-BE49-F238E27FC236}">
+                <a16:creationId xmlns:a16="http://schemas.microsoft.com/office/drawing/2014/main" id="{C9E62B2A-42B4-DECC-DD3D-23CF69E90264}"/>
+              </a:ext>
+            </a:extLst>
+          </p:cNvPr>
           <p:cNvPicPr>
             <a:picLocks noChangeAspect="1"/>
           </p:cNvPicPr>
@@ -4281,46 +4289,12 @@
         </p:blipFill>
         <p:spPr>
           <a:xfrm>
-            <a:off x="7800975" y="3264620"/>
-            <a:ext cx="914400" cy="914400"/>
+            <a:off x="4900810" y="3531431"/>
+            <a:ext cx="4185153" cy="1509696"/>
           </a:xfrm>
           <a:prstGeom prst="rect">
             <a:avLst/>
           </a:prstGeom>
-          <a:ln>
-            <a:solidFill>
-              <a:schemeClr val="accent1"/>
-            </a:solidFill>
-          </a:ln>
-        </p:spPr>
-      </p:pic>
-      <p:pic>
-        <p:nvPicPr>
-          <p:cNvPr id="15" name="Picture 14"/>
-          <p:cNvPicPr>
-            <a:picLocks noChangeAspect="1"/>
-          </p:cNvPicPr>
-          <p:nvPr/>
-        </p:nvPicPr>
-        <p:blipFill>
-          <a:blip r:embed="rId3"/>
-          <a:stretch>
-            <a:fillRect/>
-          </a:stretch>
-        </p:blipFill>
-        <p:spPr>
-          <a:xfrm>
-            <a:off x="7800975" y="2229494"/>
-            <a:ext cx="914400" cy="914400"/>
-          </a:xfrm>
-          <a:prstGeom prst="rect">
-            <a:avLst/>
-          </a:prstGeom>
-          <a:ln>
-            <a:solidFill>
-              <a:schemeClr val="accent1"/>
-            </a:solidFill>
-          </a:ln>
         </p:spPr>
       </p:pic>
     </p:spTree>
@@ -4343,1032 +4317,7 @@
 </p:sld>
 </file>
 
-<file path=ppt/slides/slide2.xml><?xml version="1.0" encoding="utf-8"?>
-<p:sld xmlns:a="http://schemas.openxmlformats.org/drawingml/2006/main" xmlns:r="http://schemas.openxmlformats.org/officeDocument/2006/relationships" xmlns:p="http://schemas.openxmlformats.org/presentationml/2006/main">
-  <p:cSld>
-    <p:spTree>
-      <p:nvGrpSpPr>
-        <p:cNvPr id="1" name=""/>
-        <p:cNvGrpSpPr/>
-        <p:nvPr/>
-      </p:nvGrpSpPr>
-      <p:grpSpPr>
-        <a:xfrm>
-          <a:off x="0" y="0"/>
-          <a:ext cx="0" cy="0"/>
-          <a:chOff x="0" y="0"/>
-          <a:chExt cx="0" cy="0"/>
-        </a:xfrm>
-      </p:grpSpPr>
-      <p:sp>
-        <p:nvSpPr>
-          <p:cNvPr id="2" name="Title 1"/>
-          <p:cNvSpPr>
-            <a:spLocks noGrp="1"/>
-          </p:cNvSpPr>
-          <p:nvPr>
-            <p:ph type="title"/>
-          </p:nvPr>
-        </p:nvSpPr>
-        <p:spPr/>
-        <p:txBody>
-          <a:bodyPr/>
-          <a:lstStyle/>
-          <a:p>
-            <a:r>
-              <a:rPr lang="en-US"/>
-              <a:t>Agenda</a:t>
-            </a:r>
-          </a:p>
-        </p:txBody>
-      </p:sp>
-      <p:sp>
-        <p:nvSpPr>
-          <p:cNvPr id="3" name="Text Placeholder 2"/>
-          <p:cNvSpPr>
-            <a:spLocks noGrp="1"/>
-          </p:cNvSpPr>
-          <p:nvPr>
-            <p:ph type="body" idx="1"/>
-          </p:nvPr>
-        </p:nvSpPr>
-        <p:spPr>
-          <a:xfrm>
-            <a:off x="814275" y="1327349"/>
-            <a:ext cx="3836747" cy="3554750"/>
-          </a:xfrm>
-        </p:spPr>
-        <p:txBody>
-          <a:bodyPr/>
-          <a:lstStyle/>
-          <a:p>
-            <a:r>
-              <a:rPr lang="en-US"/>
-              <a:t>Problem Statement</a:t>
-            </a:r>
-          </a:p>
-          <a:p>
-            <a:r>
-              <a:rPr lang="en-US"/>
-              <a:t>Motivation</a:t>
-            </a:r>
-          </a:p>
-          <a:p>
-            <a:r>
-              <a:rPr lang="en-US"/>
-              <a:t>Background</a:t>
-            </a:r>
-          </a:p>
-          <a:p>
-            <a:r>
-              <a:rPr lang="en-US"/>
-              <a:t>Related Work</a:t>
-            </a:r>
-          </a:p>
-          <a:p>
-            <a:r>
-              <a:rPr lang="en-US"/>
-              <a:t>Approach</a:t>
-            </a:r>
-          </a:p>
-          <a:p>
-            <a:r>
-              <a:rPr lang="en-US"/>
-              <a:t>Design</a:t>
-            </a:r>
-          </a:p>
-          <a:p>
-            <a:r>
-              <a:rPr lang="en-US"/>
-              <a:t>Implementation</a:t>
-            </a:r>
-          </a:p>
-        </p:txBody>
-      </p:sp>
-      <p:sp>
-        <p:nvSpPr>
-          <p:cNvPr id="5" name="Text Placeholder 2"/>
-          <p:cNvSpPr txBox="1">
-            <a:spLocks/>
-          </p:cNvSpPr>
-          <p:nvPr/>
-        </p:nvSpPr>
-        <p:spPr>
-          <a:xfrm>
-            <a:off x="4651022" y="1327349"/>
-            <a:ext cx="3836747" cy="3554751"/>
-          </a:xfrm>
-          <a:prstGeom prst="rect">
-            <a:avLst/>
-          </a:prstGeom>
-          <a:noFill/>
-          <a:ln>
-            <a:noFill/>
-          </a:ln>
-        </p:spPr>
-        <p:txBody>
-          <a:bodyPr spcFirstLastPara="1" wrap="square" lIns="91425" tIns="91425" rIns="91425" bIns="91425" anchor="ctr" anchorCtr="0"/>
-          <a:lstStyle>
-            <a:defPPr marR="0" lvl="0" algn="l" rtl="0">
-              <a:lnSpc>
-                <a:spcPct val="100000"/>
-              </a:lnSpc>
-              <a:spcBef>
-                <a:spcPts val="0"/>
-              </a:spcBef>
-              <a:spcAft>
-                <a:spcPts val="0"/>
-              </a:spcAft>
-            </a:defPPr>
-            <a:lvl1pPr marL="457200" marR="0" lvl="0" indent="-381000" algn="l" rtl="0">
-              <a:lnSpc>
-                <a:spcPct val="100000"/>
-              </a:lnSpc>
-              <a:spcBef>
-                <a:spcPts val="600"/>
-              </a:spcBef>
-              <a:spcAft>
-                <a:spcPts val="0"/>
-              </a:spcAft>
-              <a:buClr>
-                <a:srgbClr val="C7D3E6"/>
-              </a:buClr>
-              <a:buSzPts val="2400"/>
-              <a:buFont typeface="Roboto Condensed Light"/>
-              <a:buChar char="▰"/>
-              <a:defRPr sz="2800" b="0" i="0" u="none" strike="noStrike" cap="none">
-                <a:solidFill>
-                  <a:srgbClr val="263248"/>
-                </a:solidFill>
-                <a:latin typeface="Roboto Condensed Light"/>
-                <a:ea typeface="Roboto Condensed Light"/>
-                <a:cs typeface="Roboto Condensed Light"/>
-                <a:sym typeface="Roboto Condensed Light"/>
-              </a:defRPr>
-            </a:lvl1pPr>
-            <a:lvl2pPr marL="914400" marR="0" lvl="1" indent="-381000" algn="l" rtl="0">
-              <a:lnSpc>
-                <a:spcPct val="100000"/>
-              </a:lnSpc>
-              <a:spcBef>
-                <a:spcPts val="1000"/>
-              </a:spcBef>
-              <a:spcAft>
-                <a:spcPts val="0"/>
-              </a:spcAft>
-              <a:buClr>
-                <a:srgbClr val="C7D3E6"/>
-              </a:buClr>
-              <a:buSzPts val="2400"/>
-              <a:buFont typeface="Roboto Condensed Light"/>
-              <a:buChar char="▻"/>
-              <a:defRPr sz="2400" b="0" i="0" u="none" strike="noStrike" cap="none">
-                <a:solidFill>
-                  <a:srgbClr val="263248"/>
-                </a:solidFill>
-                <a:latin typeface="Roboto Condensed Light"/>
-                <a:ea typeface="Roboto Condensed Light"/>
-                <a:cs typeface="Roboto Condensed Light"/>
-                <a:sym typeface="Roboto Condensed Light"/>
-              </a:defRPr>
-            </a:lvl2pPr>
-            <a:lvl3pPr marL="1371600" marR="0" lvl="2" indent="-381000" algn="l" rtl="0">
-              <a:lnSpc>
-                <a:spcPct val="100000"/>
-              </a:lnSpc>
-              <a:spcBef>
-                <a:spcPts val="1000"/>
-              </a:spcBef>
-              <a:spcAft>
-                <a:spcPts val="0"/>
-              </a:spcAft>
-              <a:buClr>
-                <a:srgbClr val="C7D3E6"/>
-              </a:buClr>
-              <a:buSzPts val="2400"/>
-              <a:buFont typeface="Roboto Condensed Light"/>
-              <a:buChar char="▻"/>
-              <a:defRPr sz="2400" b="0" i="0" u="none" strike="noStrike" cap="none">
-                <a:solidFill>
-                  <a:srgbClr val="263248"/>
-                </a:solidFill>
-                <a:latin typeface="Roboto Condensed Light"/>
-                <a:ea typeface="Roboto Condensed Light"/>
-                <a:cs typeface="Roboto Condensed Light"/>
-                <a:sym typeface="Roboto Condensed Light"/>
-              </a:defRPr>
-            </a:lvl3pPr>
-            <a:lvl4pPr marL="1828800" marR="0" lvl="3" indent="-381000" algn="l" rtl="0">
-              <a:lnSpc>
-                <a:spcPct val="100000"/>
-              </a:lnSpc>
-              <a:spcBef>
-                <a:spcPts val="1000"/>
-              </a:spcBef>
-              <a:spcAft>
-                <a:spcPts val="0"/>
-              </a:spcAft>
-              <a:buClr>
-                <a:srgbClr val="C7D3E6"/>
-              </a:buClr>
-              <a:buSzPts val="2400"/>
-              <a:buFont typeface="Roboto Condensed Light"/>
-              <a:buChar char="▻"/>
-              <a:defRPr sz="2400" b="0" i="0" u="none" strike="noStrike" cap="none">
-                <a:solidFill>
-                  <a:srgbClr val="263248"/>
-                </a:solidFill>
-                <a:latin typeface="Roboto Condensed Light"/>
-                <a:ea typeface="Roboto Condensed Light"/>
-                <a:cs typeface="Roboto Condensed Light"/>
-                <a:sym typeface="Roboto Condensed Light"/>
-              </a:defRPr>
-            </a:lvl4pPr>
-            <a:lvl5pPr marL="2286000" marR="0" lvl="4" indent="-381000" algn="l" rtl="0">
-              <a:lnSpc>
-                <a:spcPct val="100000"/>
-              </a:lnSpc>
-              <a:spcBef>
-                <a:spcPts val="1000"/>
-              </a:spcBef>
-              <a:spcAft>
-                <a:spcPts val="0"/>
-              </a:spcAft>
-              <a:buClr>
-                <a:srgbClr val="C7D3E6"/>
-              </a:buClr>
-              <a:buSzPts val="2400"/>
-              <a:buFont typeface="Roboto Condensed Light"/>
-              <a:buChar char="▻"/>
-              <a:defRPr sz="2400" b="0" i="0" u="none" strike="noStrike" cap="none">
-                <a:solidFill>
-                  <a:srgbClr val="263248"/>
-                </a:solidFill>
-                <a:latin typeface="Roboto Condensed Light"/>
-                <a:ea typeface="Roboto Condensed Light"/>
-                <a:cs typeface="Roboto Condensed Light"/>
-                <a:sym typeface="Roboto Condensed Light"/>
-              </a:defRPr>
-            </a:lvl5pPr>
-            <a:lvl6pPr marL="2743200" marR="0" lvl="5" indent="-381000" algn="l" rtl="0">
-              <a:lnSpc>
-                <a:spcPct val="100000"/>
-              </a:lnSpc>
-              <a:spcBef>
-                <a:spcPts val="1000"/>
-              </a:spcBef>
-              <a:spcAft>
-                <a:spcPts val="0"/>
-              </a:spcAft>
-              <a:buClr>
-                <a:srgbClr val="C7D3E6"/>
-              </a:buClr>
-              <a:buSzPts val="2400"/>
-              <a:buFont typeface="Roboto Condensed Light"/>
-              <a:buChar char="▻"/>
-              <a:defRPr sz="2400" b="0" i="0" u="none" strike="noStrike" cap="none">
-                <a:solidFill>
-                  <a:srgbClr val="263248"/>
-                </a:solidFill>
-                <a:latin typeface="Roboto Condensed Light"/>
-                <a:ea typeface="Roboto Condensed Light"/>
-                <a:cs typeface="Roboto Condensed Light"/>
-                <a:sym typeface="Roboto Condensed Light"/>
-              </a:defRPr>
-            </a:lvl6pPr>
-            <a:lvl7pPr marL="3200400" marR="0" lvl="6" indent="-381000" algn="l" rtl="0">
-              <a:lnSpc>
-                <a:spcPct val="100000"/>
-              </a:lnSpc>
-              <a:spcBef>
-                <a:spcPts val="1000"/>
-              </a:spcBef>
-              <a:spcAft>
-                <a:spcPts val="0"/>
-              </a:spcAft>
-              <a:buClr>
-                <a:srgbClr val="C7D3E6"/>
-              </a:buClr>
-              <a:buSzPts val="2400"/>
-              <a:buFont typeface="Roboto Condensed Light"/>
-              <a:buChar char="▻"/>
-              <a:defRPr sz="2400" b="0" i="0" u="none" strike="noStrike" cap="none">
-                <a:solidFill>
-                  <a:srgbClr val="263248"/>
-                </a:solidFill>
-                <a:latin typeface="Roboto Condensed Light"/>
-                <a:ea typeface="Roboto Condensed Light"/>
-                <a:cs typeface="Roboto Condensed Light"/>
-                <a:sym typeface="Roboto Condensed Light"/>
-              </a:defRPr>
-            </a:lvl7pPr>
-            <a:lvl8pPr marL="3657600" marR="0" lvl="7" indent="-381000" algn="l" rtl="0">
-              <a:lnSpc>
-                <a:spcPct val="100000"/>
-              </a:lnSpc>
-              <a:spcBef>
-                <a:spcPts val="1000"/>
-              </a:spcBef>
-              <a:spcAft>
-                <a:spcPts val="0"/>
-              </a:spcAft>
-              <a:buClr>
-                <a:srgbClr val="C7D3E6"/>
-              </a:buClr>
-              <a:buSzPts val="2400"/>
-              <a:buFont typeface="Roboto Condensed Light"/>
-              <a:buChar char="▻"/>
-              <a:defRPr sz="2400" b="0" i="0" u="none" strike="noStrike" cap="none">
-                <a:solidFill>
-                  <a:srgbClr val="263248"/>
-                </a:solidFill>
-                <a:latin typeface="Roboto Condensed Light"/>
-                <a:ea typeface="Roboto Condensed Light"/>
-                <a:cs typeface="Roboto Condensed Light"/>
-                <a:sym typeface="Roboto Condensed Light"/>
-              </a:defRPr>
-            </a:lvl8pPr>
-            <a:lvl9pPr marL="4114800" marR="0" lvl="8" indent="-381000" algn="l" rtl="0">
-              <a:lnSpc>
-                <a:spcPct val="100000"/>
-              </a:lnSpc>
-              <a:spcBef>
-                <a:spcPts val="1000"/>
-              </a:spcBef>
-              <a:spcAft>
-                <a:spcPts val="1000"/>
-              </a:spcAft>
-              <a:buClr>
-                <a:srgbClr val="C7D3E6"/>
-              </a:buClr>
-              <a:buSzPts val="2400"/>
-              <a:buFont typeface="Roboto Condensed Light"/>
-              <a:buChar char="▻"/>
-              <a:defRPr sz="2400" b="0" i="0" u="none" strike="noStrike" cap="none">
-                <a:solidFill>
-                  <a:srgbClr val="263248"/>
-                </a:solidFill>
-                <a:latin typeface="Roboto Condensed Light"/>
-                <a:ea typeface="Roboto Condensed Light"/>
-                <a:cs typeface="Roboto Condensed Light"/>
-                <a:sym typeface="Roboto Condensed Light"/>
-              </a:defRPr>
-            </a:lvl9pPr>
-          </a:lstStyle>
-          <a:p>
-            <a:r>
-              <a:rPr lang="en-US"/>
-              <a:t>Data Collection</a:t>
-            </a:r>
-          </a:p>
-          <a:p>
-            <a:r>
-              <a:rPr lang="en-US"/>
-              <a:t>Data Analysis</a:t>
-            </a:r>
-          </a:p>
-          <a:p>
-            <a:r>
-              <a:rPr lang="en-US"/>
-              <a:t>Findings</a:t>
-            </a:r>
-          </a:p>
-          <a:p>
-            <a:r>
-              <a:rPr lang="en-US"/>
-              <a:t>Conclusions</a:t>
-            </a:r>
-          </a:p>
-          <a:p>
-            <a:r>
-              <a:rPr lang="en-US"/>
-              <a:t>Future Work</a:t>
-            </a:r>
-          </a:p>
-          <a:p>
-            <a:r>
-              <a:rPr lang="en-US"/>
-              <a:t>Key References</a:t>
-            </a:r>
-          </a:p>
-          <a:p>
-            <a:r>
-              <a:rPr lang="en-US"/>
-              <a:t>Q&amp;A</a:t>
-            </a:r>
-          </a:p>
-        </p:txBody>
-      </p:sp>
-      <p:sp>
-        <p:nvSpPr>
-          <p:cNvPr id="6" name="Slide Number Placeholder 5"/>
-          <p:cNvSpPr>
-            <a:spLocks noGrp="1"/>
-          </p:cNvSpPr>
-          <p:nvPr>
-            <p:ph type="sldNum" idx="12"/>
-          </p:nvPr>
-        </p:nvSpPr>
-        <p:spPr/>
-        <p:txBody>
-          <a:bodyPr/>
-          <a:lstStyle/>
-          <a:p>
-            <a:pPr marL="0" lvl="0" indent="0" algn="r" rtl="0">
-              <a:spcBef>
-                <a:spcPts val="0"/>
-              </a:spcBef>
-              <a:spcAft>
-                <a:spcPts val="0"/>
-              </a:spcAft>
-              <a:buNone/>
-            </a:pPr>
-            <a:fld id="{00000000-1234-1234-1234-123412341234}" type="slidenum">
-              <a:rPr lang="en" smtClean="0"/>
-              <a:t>2</a:t>
-            </a:fld>
-            <a:endParaRPr lang="en"/>
-          </a:p>
-        </p:txBody>
-      </p:sp>
-    </p:spTree>
-    <p:extLst>
-      <p:ext uri="{BB962C8B-B14F-4D97-AF65-F5344CB8AC3E}">
-        <p14:creationId xmlns:p14="http://schemas.microsoft.com/office/powerpoint/2010/main" val="2425647436"/>
-      </p:ext>
-    </p:extLst>
-  </p:cSld>
-  <p:clrMapOvr>
-    <a:masterClrMapping/>
-  </p:clrMapOvr>
-</p:sld>
-</file>
-
-<file path=ppt/slides/slide3.xml><?xml version="1.0" encoding="utf-8"?>
-<p:sld xmlns:a="http://schemas.openxmlformats.org/drawingml/2006/main" xmlns:r="http://schemas.openxmlformats.org/officeDocument/2006/relationships" xmlns:p="http://schemas.openxmlformats.org/presentationml/2006/main">
-  <p:cSld>
-    <p:spTree>
-      <p:nvGrpSpPr>
-        <p:cNvPr id="1" name=""/>
-        <p:cNvGrpSpPr/>
-        <p:nvPr/>
-      </p:nvGrpSpPr>
-      <p:grpSpPr>
-        <a:xfrm>
-          <a:off x="0" y="0"/>
-          <a:ext cx="0" cy="0"/>
-          <a:chOff x="0" y="0"/>
-          <a:chExt cx="0" cy="0"/>
-        </a:xfrm>
-      </p:grpSpPr>
-      <p:sp>
-        <p:nvSpPr>
-          <p:cNvPr id="2" name="Title 1"/>
-          <p:cNvSpPr>
-            <a:spLocks noGrp="1"/>
-          </p:cNvSpPr>
-          <p:nvPr>
-            <p:ph type="title"/>
-          </p:nvPr>
-        </p:nvSpPr>
-        <p:spPr/>
-        <p:txBody>
-          <a:bodyPr/>
-          <a:lstStyle/>
-          <a:p>
-            <a:r>
-              <a:rPr lang="en-US"/>
-              <a:t>Problem Statement</a:t>
-            </a:r>
-          </a:p>
-        </p:txBody>
-      </p:sp>
-      <p:sp>
-        <p:nvSpPr>
-          <p:cNvPr id="3" name="Text Placeholder 2"/>
-          <p:cNvSpPr>
-            <a:spLocks noGrp="1"/>
-          </p:cNvSpPr>
-          <p:nvPr>
-            <p:ph type="body" idx="1"/>
-          </p:nvPr>
-        </p:nvSpPr>
-        <p:spPr/>
-        <p:txBody>
-          <a:bodyPr/>
-          <a:lstStyle/>
-          <a:p>
-            <a:r>
-              <a:rPr lang="en-US" dirty="0"/>
-              <a:t>Recent advances in LLM powered chatbots have enabled users to chat with a variety of document-based sources. Can a similar solution be employed to allow a user to communicate in natural language with a SQL based database?</a:t>
-            </a:r>
-          </a:p>
-        </p:txBody>
-      </p:sp>
-      <p:sp>
-        <p:nvSpPr>
-          <p:cNvPr id="5" name="Slide Number Placeholder 4"/>
-          <p:cNvSpPr>
-            <a:spLocks noGrp="1"/>
-          </p:cNvSpPr>
-          <p:nvPr>
-            <p:ph type="sldNum" idx="12"/>
-          </p:nvPr>
-        </p:nvSpPr>
-        <p:spPr/>
-        <p:txBody>
-          <a:bodyPr/>
-          <a:lstStyle/>
-          <a:p>
-            <a:pPr marL="0" lvl="0" indent="0" algn="r" rtl="0">
-              <a:spcBef>
-                <a:spcPts val="0"/>
-              </a:spcBef>
-              <a:spcAft>
-                <a:spcPts val="0"/>
-              </a:spcAft>
-              <a:buNone/>
-            </a:pPr>
-            <a:fld id="{00000000-1234-1234-1234-123412341234}" type="slidenum">
-              <a:rPr lang="en" smtClean="0"/>
-              <a:t>3</a:t>
-            </a:fld>
-            <a:endParaRPr lang="en"/>
-          </a:p>
-        </p:txBody>
-      </p:sp>
-    </p:spTree>
-    <p:extLst>
-      <p:ext uri="{BB962C8B-B14F-4D97-AF65-F5344CB8AC3E}">
-        <p14:creationId xmlns:p14="http://schemas.microsoft.com/office/powerpoint/2010/main" val="3443371739"/>
-      </p:ext>
-    </p:extLst>
-  </p:cSld>
-  <p:clrMapOvr>
-    <a:masterClrMapping/>
-  </p:clrMapOvr>
-</p:sld>
-</file>
-
-<file path=ppt/slides/slide4.xml><?xml version="1.0" encoding="utf-8"?>
-<p:sld xmlns:a="http://schemas.openxmlformats.org/drawingml/2006/main" xmlns:r="http://schemas.openxmlformats.org/officeDocument/2006/relationships" xmlns:p="http://schemas.openxmlformats.org/presentationml/2006/main">
-  <p:cSld>
-    <p:spTree>
-      <p:nvGrpSpPr>
-        <p:cNvPr id="1" name=""/>
-        <p:cNvGrpSpPr/>
-        <p:nvPr/>
-      </p:nvGrpSpPr>
-      <p:grpSpPr>
-        <a:xfrm>
-          <a:off x="0" y="0"/>
-          <a:ext cx="0" cy="0"/>
-          <a:chOff x="0" y="0"/>
-          <a:chExt cx="0" cy="0"/>
-        </a:xfrm>
-      </p:grpSpPr>
-      <p:sp>
-        <p:nvSpPr>
-          <p:cNvPr id="2" name="Title 1"/>
-          <p:cNvSpPr>
-            <a:spLocks noGrp="1"/>
-          </p:cNvSpPr>
-          <p:nvPr>
-            <p:ph type="title"/>
-          </p:nvPr>
-        </p:nvSpPr>
-        <p:spPr/>
-        <p:txBody>
-          <a:bodyPr/>
-          <a:lstStyle/>
-          <a:p>
-            <a:r>
-              <a:rPr lang="en-US" dirty="0"/>
-              <a:t>Motivation</a:t>
-            </a:r>
-          </a:p>
-        </p:txBody>
-      </p:sp>
-      <p:sp>
-        <p:nvSpPr>
-          <p:cNvPr id="3" name="Text Placeholder 2"/>
-          <p:cNvSpPr>
-            <a:spLocks noGrp="1"/>
-          </p:cNvSpPr>
-          <p:nvPr>
-            <p:ph type="body" idx="1"/>
-          </p:nvPr>
-        </p:nvSpPr>
-        <p:spPr/>
-        <p:txBody>
-          <a:bodyPr/>
-          <a:lstStyle/>
-          <a:p>
-            <a:r>
-              <a:rPr lang="en-US" dirty="0"/>
-              <a:t>Simplifying Database Querying</a:t>
-            </a:r>
-          </a:p>
-          <a:p>
-            <a:pPr lvl="1"/>
-            <a:r>
-              <a:rPr lang="en-US" dirty="0"/>
-              <a:t>SQL remains the dominant store of application data.</a:t>
-            </a:r>
-          </a:p>
-          <a:p>
-            <a:pPr lvl="1"/>
-            <a:r>
-              <a:rPr lang="en-US" dirty="0"/>
-              <a:t>SQL querying requires specific training</a:t>
-            </a:r>
-          </a:p>
-        </p:txBody>
-      </p:sp>
-      <p:sp>
-        <p:nvSpPr>
-          <p:cNvPr id="5" name="Slide Number Placeholder 4"/>
-          <p:cNvSpPr>
-            <a:spLocks noGrp="1"/>
-          </p:cNvSpPr>
-          <p:nvPr>
-            <p:ph type="sldNum" idx="12"/>
-          </p:nvPr>
-        </p:nvSpPr>
-        <p:spPr/>
-        <p:txBody>
-          <a:bodyPr/>
-          <a:lstStyle/>
-          <a:p>
-            <a:pPr marL="0" lvl="0" indent="0" algn="r" rtl="0">
-              <a:spcBef>
-                <a:spcPts val="0"/>
-              </a:spcBef>
-              <a:spcAft>
-                <a:spcPts val="0"/>
-              </a:spcAft>
-              <a:buNone/>
-            </a:pPr>
-            <a:fld id="{00000000-1234-1234-1234-123412341234}" type="slidenum">
-              <a:rPr lang="en" smtClean="0"/>
-              <a:t>4</a:t>
-            </a:fld>
-            <a:endParaRPr lang="en"/>
-          </a:p>
-        </p:txBody>
-      </p:sp>
-    </p:spTree>
-    <p:extLst>
-      <p:ext uri="{BB962C8B-B14F-4D97-AF65-F5344CB8AC3E}">
-        <p14:creationId xmlns:p14="http://schemas.microsoft.com/office/powerpoint/2010/main" val="229138954"/>
-      </p:ext>
-    </p:extLst>
-  </p:cSld>
-  <p:clrMapOvr>
-    <a:masterClrMapping/>
-  </p:clrMapOvr>
-</p:sld>
-</file>
-
-<file path=ppt/slides/slide5.xml><?xml version="1.0" encoding="utf-8"?>
-<p:sld xmlns:a="http://schemas.openxmlformats.org/drawingml/2006/main" xmlns:r="http://schemas.openxmlformats.org/officeDocument/2006/relationships" xmlns:p="http://schemas.openxmlformats.org/presentationml/2006/main">
-  <p:cSld>
-    <p:spTree>
-      <p:nvGrpSpPr>
-        <p:cNvPr id="1" name=""/>
-        <p:cNvGrpSpPr/>
-        <p:nvPr/>
-      </p:nvGrpSpPr>
-      <p:grpSpPr>
-        <a:xfrm>
-          <a:off x="0" y="0"/>
-          <a:ext cx="0" cy="0"/>
-          <a:chOff x="0" y="0"/>
-          <a:chExt cx="0" cy="0"/>
-        </a:xfrm>
-      </p:grpSpPr>
-      <p:sp>
-        <p:nvSpPr>
-          <p:cNvPr id="2" name="Title 1"/>
-          <p:cNvSpPr>
-            <a:spLocks noGrp="1"/>
-          </p:cNvSpPr>
-          <p:nvPr>
-            <p:ph type="title"/>
-          </p:nvPr>
-        </p:nvSpPr>
-        <p:spPr/>
-        <p:txBody>
-          <a:bodyPr/>
-          <a:lstStyle/>
-          <a:p>
-            <a:r>
-              <a:rPr lang="en-US" dirty="0"/>
-              <a:t>Motivation</a:t>
-            </a:r>
-          </a:p>
-        </p:txBody>
-      </p:sp>
-      <p:sp>
-        <p:nvSpPr>
-          <p:cNvPr id="3" name="Text Placeholder 2"/>
-          <p:cNvSpPr>
-            <a:spLocks noGrp="1"/>
-          </p:cNvSpPr>
-          <p:nvPr>
-            <p:ph type="body" idx="1"/>
-          </p:nvPr>
-        </p:nvSpPr>
-        <p:spPr/>
-        <p:txBody>
-          <a:bodyPr/>
-          <a:lstStyle/>
-          <a:p>
-            <a:r>
-              <a:rPr lang="en-US" dirty="0"/>
-              <a:t>Possible solutions</a:t>
-            </a:r>
-          </a:p>
-          <a:p>
-            <a:pPr lvl="1"/>
-            <a:r>
-              <a:rPr lang="en-US" dirty="0"/>
-              <a:t>LLM generated SQL Queries</a:t>
-            </a:r>
-          </a:p>
-          <a:p>
-            <a:pPr lvl="1"/>
-            <a:r>
-              <a:rPr lang="en-US" dirty="0"/>
-              <a:t>Transformation of SQL Data</a:t>
-            </a:r>
-          </a:p>
-          <a:p>
-            <a:pPr lvl="1"/>
-            <a:endParaRPr lang="en-US" dirty="0"/>
-          </a:p>
-        </p:txBody>
-      </p:sp>
-      <p:sp>
-        <p:nvSpPr>
-          <p:cNvPr id="5" name="Slide Number Placeholder 4"/>
-          <p:cNvSpPr>
-            <a:spLocks noGrp="1"/>
-          </p:cNvSpPr>
-          <p:nvPr>
-            <p:ph type="sldNum" idx="12"/>
-          </p:nvPr>
-        </p:nvSpPr>
-        <p:spPr/>
-        <p:txBody>
-          <a:bodyPr/>
-          <a:lstStyle/>
-          <a:p>
-            <a:pPr marL="0" lvl="0" indent="0" algn="r" rtl="0">
-              <a:spcBef>
-                <a:spcPts val="0"/>
-              </a:spcBef>
-              <a:spcAft>
-                <a:spcPts val="0"/>
-              </a:spcAft>
-              <a:buNone/>
-            </a:pPr>
-            <a:fld id="{00000000-1234-1234-1234-123412341234}" type="slidenum">
-              <a:rPr lang="en" smtClean="0"/>
-              <a:t>5</a:t>
-            </a:fld>
-            <a:endParaRPr lang="en"/>
-          </a:p>
-        </p:txBody>
-      </p:sp>
-    </p:spTree>
-    <p:extLst>
-      <p:ext uri="{BB962C8B-B14F-4D97-AF65-F5344CB8AC3E}">
-        <p14:creationId xmlns:p14="http://schemas.microsoft.com/office/powerpoint/2010/main" val="3654835111"/>
-      </p:ext>
-    </p:extLst>
-  </p:cSld>
-  <p:clrMapOvr>
-    <a:masterClrMapping/>
-  </p:clrMapOvr>
-</p:sld>
-</file>
-
-<file path=ppt/slides/slide6.xml><?xml version="1.0" encoding="utf-8"?>
-<p:sld xmlns:a="http://schemas.openxmlformats.org/drawingml/2006/main" xmlns:r="http://schemas.openxmlformats.org/officeDocument/2006/relationships" xmlns:p="http://schemas.openxmlformats.org/presentationml/2006/main">
-  <p:cSld>
-    <p:spTree>
-      <p:nvGrpSpPr>
-        <p:cNvPr id="1" name=""/>
-        <p:cNvGrpSpPr/>
-        <p:nvPr/>
-      </p:nvGrpSpPr>
-      <p:grpSpPr>
-        <a:xfrm>
-          <a:off x="0" y="0"/>
-          <a:ext cx="0" cy="0"/>
-          <a:chOff x="0" y="0"/>
-          <a:chExt cx="0" cy="0"/>
-        </a:xfrm>
-      </p:grpSpPr>
-      <p:sp>
-        <p:nvSpPr>
-          <p:cNvPr id="2" name="Title 1">
-            <a:extLst>
-              <a:ext uri="{FF2B5EF4-FFF2-40B4-BE49-F238E27FC236}">
-                <a16:creationId xmlns:a16="http://schemas.microsoft.com/office/drawing/2014/main" id="{97195F9F-46F0-B5C3-0AC9-1BB3AEAAB62F}"/>
-              </a:ext>
-            </a:extLst>
-          </p:cNvPr>
-          <p:cNvSpPr>
-            <a:spLocks noGrp="1"/>
-          </p:cNvSpPr>
-          <p:nvPr>
-            <p:ph type="title"/>
-          </p:nvPr>
-        </p:nvSpPr>
-        <p:spPr/>
-        <p:txBody>
-          <a:bodyPr/>
-          <a:lstStyle/>
-          <a:p>
-            <a:r>
-              <a:rPr lang="en-US" dirty="0"/>
-              <a:t>Key References</a:t>
-            </a:r>
-          </a:p>
-        </p:txBody>
-      </p:sp>
-      <p:sp>
-        <p:nvSpPr>
-          <p:cNvPr id="3" name="Text Placeholder 2">
-            <a:extLst>
-              <a:ext uri="{FF2B5EF4-FFF2-40B4-BE49-F238E27FC236}">
-                <a16:creationId xmlns:a16="http://schemas.microsoft.com/office/drawing/2014/main" id="{A4201B05-64A8-70B2-79E4-B3B3BBB07C43}"/>
-              </a:ext>
-            </a:extLst>
-          </p:cNvPr>
-          <p:cNvSpPr>
-            <a:spLocks noGrp="1"/>
-          </p:cNvSpPr>
-          <p:nvPr>
-            <p:ph type="body" idx="1"/>
-          </p:nvPr>
-        </p:nvSpPr>
-        <p:spPr/>
-        <p:txBody>
-          <a:bodyPr/>
-          <a:lstStyle/>
-          <a:p>
-            <a:r>
-              <a:rPr lang="en-US" sz="1400" b="0" dirty="0" err="1">
-                <a:effectLst/>
-                <a:latin typeface="Verdana" panose="020B0604030504040204" pitchFamily="34" charset="0"/>
-              </a:rPr>
-              <a:t>Muludi</a:t>
-            </a:r>
-            <a:r>
-              <a:rPr lang="en-US" sz="1400" b="0" dirty="0">
-                <a:effectLst/>
-                <a:latin typeface="Verdana" panose="020B0604030504040204" pitchFamily="34" charset="0"/>
-              </a:rPr>
-              <a:t>, K., Fitria, K. M., </a:t>
-            </a:r>
-            <a:r>
-              <a:rPr lang="en-US" sz="1400" b="0" dirty="0" err="1">
-                <a:effectLst/>
-                <a:latin typeface="Verdana" panose="020B0604030504040204" pitchFamily="34" charset="0"/>
-              </a:rPr>
-              <a:t>Triloka</a:t>
-            </a:r>
-            <a:r>
-              <a:rPr lang="en-US" sz="1400" b="0" dirty="0">
-                <a:effectLst/>
-                <a:latin typeface="Verdana" panose="020B0604030504040204" pitchFamily="34" charset="0"/>
-              </a:rPr>
-              <a:t>, J., &amp; </a:t>
-            </a:r>
-            <a:r>
-              <a:rPr lang="en-US" sz="1400" b="0" dirty="0" err="1">
-                <a:effectLst/>
-                <a:latin typeface="Verdana" panose="020B0604030504040204" pitchFamily="34" charset="0"/>
-              </a:rPr>
-              <a:t>Sutedi</a:t>
-            </a:r>
-            <a:r>
-              <a:rPr lang="en-US" sz="1400" b="0" dirty="0">
-                <a:effectLst/>
-                <a:latin typeface="Verdana" panose="020B0604030504040204" pitchFamily="34" charset="0"/>
-              </a:rPr>
-              <a:t>. (2024). Retrieval-Augmented Generation Approach: Document Question Answering using Large Language Model. International Journal of Advanced Computer Science and Applications (IJACSA), 15(3), 776-785. </a:t>
-            </a:r>
-            <a:r>
-              <a:rPr lang="en-US" sz="1400" b="0" u="sng" dirty="0">
-                <a:solidFill>
-                  <a:srgbClr val="0000FF"/>
-                </a:solidFill>
-                <a:effectLst/>
-                <a:latin typeface="Verdana" panose="020B0604030504040204" pitchFamily="34" charset="0"/>
-                <a:hlinkClick r:id="rId2"/>
-              </a:rPr>
-              <a:t>https://doi.org/10.14569/IJACSA.2024.0150324</a:t>
-            </a:r>
-            <a:endParaRPr lang="en-US" sz="1400" b="1" dirty="0">
-              <a:effectLst/>
-              <a:latin typeface="Times New Roman" panose="02020603050405020304" pitchFamily="18" charset="0"/>
-            </a:endParaRPr>
-          </a:p>
-          <a:p>
-            <a:r>
-              <a:rPr lang="en-US" sz="1400" b="0" dirty="0" err="1">
-                <a:effectLst/>
-                <a:latin typeface="Verdana" panose="020B0604030504040204" pitchFamily="34" charset="0"/>
-              </a:rPr>
-              <a:t>Oshin</a:t>
-            </a:r>
-            <a:r>
-              <a:rPr lang="en-US" sz="1400" b="0" dirty="0">
-                <a:effectLst/>
-                <a:latin typeface="Verdana" panose="020B0604030504040204" pitchFamily="34" charset="0"/>
-              </a:rPr>
-              <a:t>, M., &amp; Campos, N. (2024). Learning </a:t>
-            </a:r>
-            <a:r>
-              <a:rPr lang="en-US" sz="1400" b="0" dirty="0" err="1">
-                <a:effectLst/>
-                <a:latin typeface="Verdana" panose="020B0604030504040204" pitchFamily="34" charset="0"/>
-              </a:rPr>
-              <a:t>LangChain</a:t>
-            </a:r>
-            <a:r>
-              <a:rPr lang="en-US" sz="1400" b="0" dirty="0">
-                <a:effectLst/>
-                <a:latin typeface="Verdana" panose="020B0604030504040204" pitchFamily="34" charset="0"/>
-              </a:rPr>
-              <a:t>: Build an AI Chatbot Trained on Your Data. O'Reilly Media.</a:t>
-            </a:r>
-            <a:endParaRPr lang="en-US" sz="1400" b="1" dirty="0">
-              <a:effectLst/>
-              <a:latin typeface="Times New Roman" panose="02020603050405020304" pitchFamily="18" charset="0"/>
-            </a:endParaRPr>
-          </a:p>
-          <a:p>
-            <a:endParaRPr lang="en-US" sz="1400" dirty="0"/>
-          </a:p>
-        </p:txBody>
-      </p:sp>
-      <p:sp>
-        <p:nvSpPr>
-          <p:cNvPr id="4" name="Slide Number Placeholder 3">
-            <a:extLst>
-              <a:ext uri="{FF2B5EF4-FFF2-40B4-BE49-F238E27FC236}">
-                <a16:creationId xmlns:a16="http://schemas.microsoft.com/office/drawing/2014/main" id="{DB9983E3-136A-C135-59BF-F7A2785A087D}"/>
-              </a:ext>
-            </a:extLst>
-          </p:cNvPr>
-          <p:cNvSpPr>
-            <a:spLocks noGrp="1"/>
-          </p:cNvSpPr>
-          <p:nvPr>
-            <p:ph type="sldNum" idx="12"/>
-          </p:nvPr>
-        </p:nvSpPr>
-        <p:spPr/>
-        <p:txBody>
-          <a:bodyPr/>
-          <a:lstStyle/>
-          <a:p>
-            <a:pPr marL="0" lvl="0" indent="0" algn="r" rtl="0">
-              <a:spcBef>
-                <a:spcPts val="0"/>
-              </a:spcBef>
-              <a:spcAft>
-                <a:spcPts val="0"/>
-              </a:spcAft>
-              <a:buNone/>
-            </a:pPr>
-            <a:fld id="{00000000-1234-1234-1234-123412341234}" type="slidenum">
-              <a:rPr lang="en" smtClean="0"/>
-              <a:t>6</a:t>
-            </a:fld>
-            <a:endParaRPr lang="en"/>
-          </a:p>
-        </p:txBody>
-      </p:sp>
-    </p:spTree>
-    <p:extLst>
-      <p:ext uri="{BB962C8B-B14F-4D97-AF65-F5344CB8AC3E}">
-        <p14:creationId xmlns:p14="http://schemas.microsoft.com/office/powerpoint/2010/main" val="3080935024"/>
-      </p:ext>
-    </p:extLst>
-  </p:cSld>
-  <p:clrMapOvr>
-    <a:masterClrMapping/>
-  </p:clrMapOvr>
-</p:sld>
-</file>
-
-<file path=ppt/slides/slide7.xml><?xml version="1.0" encoding="utf-8"?>
+<file path=ppt/slides/slide10.xml><?xml version="1.0" encoding="utf-8"?>
 <p:sld xmlns:a="http://schemas.openxmlformats.org/drawingml/2006/main" xmlns:r="http://schemas.openxmlformats.org/officeDocument/2006/relationships" xmlns:p="http://schemas.openxmlformats.org/presentationml/2006/main">
   <p:cSld>
     <p:spTree>
@@ -5439,7 +4388,7 @@
                 <a:effectLst/>
                 <a:latin typeface="Verdana" panose="020B0604030504040204" pitchFamily="34" charset="0"/>
               </a:rPr>
-              <a:t>OpenAI. (2023, March 15). Exploring RAG: Retrieval-Augmented Generation for NLP [Video]. YouTube. </a:t>
+              <a:t>Dash, S. (2023, April 1). RAG or Retrieval-Augmented Generation Simplified. Medium. </a:t>
             </a:r>
             <a:r>
               <a:rPr lang="en-US" sz="1800" b="0" u="sng" dirty="0">
@@ -5450,7 +4399,7 @@
                 <a:latin typeface="Verdana" panose="020B0604030504040204" pitchFamily="34" charset="0"/>
                 <a:hlinkClick r:id="rId2"/>
               </a:rPr>
-              <a:t>https://www.youtube.com/watch?v=KSbxwbLkhCQ</a:t>
+              <a:t>https://medium.com/@shaileydash/rag-or-retrieval-augmented-generation-simplified-5823a9257856</a:t>
             </a:r>
             <a:endParaRPr lang="en-US" sz="1800" b="1" dirty="0">
               <a:effectLst/>
@@ -5463,7 +4412,21 @@
                 <a:effectLst/>
                 <a:latin typeface="Verdana" panose="020B0604030504040204" pitchFamily="34" charset="0"/>
               </a:rPr>
-              <a:t>Mehul, J. (2023, January 13). RAG Part 4: Indexing. Medium. </a:t>
+              <a:t>Vanna AI. (2023). Integrating MSSQL with OpenAI Using </a:t>
+            </a:r>
+            <a:r>
+              <a:rPr lang="en-US" sz="1800" b="0" dirty="0" err="1">
+                <a:effectLst/>
+                <a:latin typeface="Verdana" panose="020B0604030504040204" pitchFamily="34" charset="0"/>
+              </a:rPr>
+              <a:t>VannaDB</a:t>
+            </a:r>
+            <a:r>
+              <a:rPr lang="en-US" sz="1800" b="0" dirty="0">
+                <a:effectLst/>
+                <a:latin typeface="Verdana" panose="020B0604030504040204" pitchFamily="34" charset="0"/>
+              </a:rPr>
+              <a:t>. Vanna AI Documentation. </a:t>
             </a:r>
             <a:r>
               <a:rPr lang="en-US" sz="1800" b="0" u="sng" dirty="0">
@@ -5474,7 +4437,7 @@
                 <a:latin typeface="Verdana" panose="020B0604030504040204" pitchFamily="34" charset="0"/>
                 <a:hlinkClick r:id="rId3"/>
               </a:rPr>
-              <a:t>https://medium.com/@j13mehul/rag-part-4-indexing-1985f4000f72</a:t>
+              <a:t>https://vanna.ai/docs/mssql-openai-vanna-vannadb/</a:t>
             </a:r>
             <a:endParaRPr lang="en-US" sz="1800" b="1" dirty="0">
               <a:effectLst/>
@@ -5518,190 +4481,7 @@
             </a:pPr>
             <a:fld id="{00000000-1234-1234-1234-123412341234}" type="slidenum">
               <a:rPr lang="en" smtClean="0"/>
-              <a:t>7</a:t>
-            </a:fld>
-            <a:endParaRPr lang="en"/>
-          </a:p>
-        </p:txBody>
-      </p:sp>
-    </p:spTree>
-    <p:extLst>
-      <p:ext uri="{BB962C8B-B14F-4D97-AF65-F5344CB8AC3E}">
-        <p14:creationId xmlns:p14="http://schemas.microsoft.com/office/powerpoint/2010/main" val="3358373749"/>
-      </p:ext>
-    </p:extLst>
-  </p:cSld>
-  <p:clrMapOvr>
-    <a:masterClrMapping/>
-  </p:clrMapOvr>
-</p:sld>
-</file>
-
-<file path=ppt/slides/slide8.xml><?xml version="1.0" encoding="utf-8"?>
-<p:sld xmlns:a="http://schemas.openxmlformats.org/drawingml/2006/main" xmlns:r="http://schemas.openxmlformats.org/officeDocument/2006/relationships" xmlns:p="http://schemas.openxmlformats.org/presentationml/2006/main">
-  <p:cSld>
-    <p:spTree>
-      <p:nvGrpSpPr>
-        <p:cNvPr id="1" name=""/>
-        <p:cNvGrpSpPr/>
-        <p:nvPr/>
-      </p:nvGrpSpPr>
-      <p:grpSpPr>
-        <a:xfrm>
-          <a:off x="0" y="0"/>
-          <a:ext cx="0" cy="0"/>
-          <a:chOff x="0" y="0"/>
-          <a:chExt cx="0" cy="0"/>
-        </a:xfrm>
-      </p:grpSpPr>
-      <p:sp>
-        <p:nvSpPr>
-          <p:cNvPr id="2" name="Title 1">
-            <a:extLst>
-              <a:ext uri="{FF2B5EF4-FFF2-40B4-BE49-F238E27FC236}">
-                <a16:creationId xmlns:a16="http://schemas.microsoft.com/office/drawing/2014/main" id="{C8CA4AD6-6B00-A8D5-7AF0-7A77AB5DD6A9}"/>
-              </a:ext>
-            </a:extLst>
-          </p:cNvPr>
-          <p:cNvSpPr>
-            <a:spLocks noGrp="1"/>
-          </p:cNvSpPr>
-          <p:nvPr>
-            <p:ph type="title"/>
-          </p:nvPr>
-        </p:nvSpPr>
-        <p:spPr/>
-        <p:txBody>
-          <a:bodyPr/>
-          <a:lstStyle/>
-          <a:p>
-            <a:r>
-              <a:rPr lang="en-US" dirty="0"/>
-              <a:t>Key References</a:t>
-            </a:r>
-          </a:p>
-        </p:txBody>
-      </p:sp>
-      <p:sp>
-        <p:nvSpPr>
-          <p:cNvPr id="3" name="Text Placeholder 2">
-            <a:extLst>
-              <a:ext uri="{FF2B5EF4-FFF2-40B4-BE49-F238E27FC236}">
-                <a16:creationId xmlns:a16="http://schemas.microsoft.com/office/drawing/2014/main" id="{3E84929F-817A-AABF-B5F4-86E67ACA1E37}"/>
-              </a:ext>
-            </a:extLst>
-          </p:cNvPr>
-          <p:cNvSpPr>
-            <a:spLocks noGrp="1"/>
-          </p:cNvSpPr>
-          <p:nvPr>
-            <p:ph type="body" idx="1"/>
-          </p:nvPr>
-        </p:nvSpPr>
-        <p:spPr/>
-        <p:txBody>
-          <a:bodyPr/>
-          <a:lstStyle/>
-          <a:p>
-            <a:r>
-              <a:rPr lang="en-US" sz="1800" b="0" dirty="0">
-                <a:effectLst/>
-                <a:latin typeface="Verdana" panose="020B0604030504040204" pitchFamily="34" charset="0"/>
-              </a:rPr>
-              <a:t>Dash, S. (2023, April 1). RAG or Retrieval-Augmented Generation Simplified. Medium. </a:t>
-            </a:r>
-            <a:r>
-              <a:rPr lang="en-US" sz="1800" b="0" u="sng" dirty="0">
-                <a:solidFill>
-                  <a:srgbClr val="0000FF"/>
-                </a:solidFill>
-                <a:effectLst/>
-                <a:latin typeface="Verdana" panose="020B0604030504040204" pitchFamily="34" charset="0"/>
-                <a:hlinkClick r:id="rId2"/>
-              </a:rPr>
-              <a:t>https://medium.com/@shaileydash/rag-or-retrieval-augmented-generation-simplified-5823a9257856</a:t>
-            </a:r>
-            <a:endParaRPr lang="en-US" sz="1800" b="1" dirty="0">
-              <a:effectLst/>
-              <a:latin typeface="Times New Roman" panose="02020603050405020304" pitchFamily="18" charset="0"/>
-            </a:endParaRPr>
-          </a:p>
-          <a:p>
-            <a:r>
-              <a:rPr lang="en-US" sz="1800" b="0" dirty="0">
-                <a:effectLst/>
-                <a:latin typeface="Verdana" panose="020B0604030504040204" pitchFamily="34" charset="0"/>
-              </a:rPr>
-              <a:t>Vanna AI. (2023). Integrating MSSQL with OpenAI Using </a:t>
-            </a:r>
-            <a:r>
-              <a:rPr lang="en-US" sz="1800" b="0" dirty="0" err="1">
-                <a:effectLst/>
-                <a:latin typeface="Verdana" panose="020B0604030504040204" pitchFamily="34" charset="0"/>
-              </a:rPr>
-              <a:t>VannaDB</a:t>
-            </a:r>
-            <a:r>
-              <a:rPr lang="en-US" sz="1800" b="0" dirty="0">
-                <a:effectLst/>
-                <a:latin typeface="Verdana" panose="020B0604030504040204" pitchFamily="34" charset="0"/>
-              </a:rPr>
-              <a:t>. Vanna AI Documentation. </a:t>
-            </a:r>
-            <a:r>
-              <a:rPr lang="en-US" sz="1800" b="0" u="sng" dirty="0">
-                <a:solidFill>
-                  <a:srgbClr val="0000FF"/>
-                </a:solidFill>
-                <a:effectLst/>
-                <a:latin typeface="Verdana" panose="020B0604030504040204" pitchFamily="34" charset="0"/>
-                <a:hlinkClick r:id="rId3"/>
-              </a:rPr>
-              <a:t>https://vanna.ai/docs/mssql-openai-vanna-vannadb/</a:t>
-            </a:r>
-            <a:endParaRPr lang="en-US" sz="1800" b="1" dirty="0">
-              <a:effectLst/>
-              <a:latin typeface="Times New Roman" panose="02020603050405020304" pitchFamily="18" charset="0"/>
-            </a:endParaRPr>
-          </a:p>
-          <a:p>
-            <a:endParaRPr lang="en-US" dirty="0"/>
-          </a:p>
-        </p:txBody>
-      </p:sp>
-      <p:sp>
-        <p:nvSpPr>
-          <p:cNvPr id="4" name="Slide Number Placeholder 3">
-            <a:extLst>
-              <a:ext uri="{FF2B5EF4-FFF2-40B4-BE49-F238E27FC236}">
-                <a16:creationId xmlns:a16="http://schemas.microsoft.com/office/drawing/2014/main" id="{67131539-0C86-22F6-B6F5-B3AE3F8FADB3}"/>
-              </a:ext>
-            </a:extLst>
-          </p:cNvPr>
-          <p:cNvSpPr>
-            <a:spLocks noGrp="1"/>
-          </p:cNvSpPr>
-          <p:nvPr>
-            <p:ph type="sldNum" idx="12"/>
-          </p:nvPr>
-        </p:nvSpPr>
-        <p:spPr/>
-        <p:txBody>
-          <a:bodyPr/>
-          <a:lstStyle/>
-          <a:p>
-            <a:pPr marL="0" lvl="0" indent="0" algn="r" rtl="0">
-              <a:spcBef>
-                <a:spcPts val="0"/>
-              </a:spcBef>
-              <a:spcAft>
-                <a:spcPts val="0"/>
-              </a:spcAft>
-              <a:buNone/>
-            </a:pPr>
-            <a:fld id="{00000000-1234-1234-1234-123412341234}" type="slidenum">
-              <a:rPr lang="en" smtClean="0"/>
-              <a:t>8</a:t>
+              <a:t>10</a:t>
             </a:fld>
             <a:endParaRPr lang="en"/>
           </a:p>
@@ -5720,7 +4500,7 @@
 </p:sld>
 </file>
 
-<file path=ppt/slides/slide9.xml><?xml version="1.0" encoding="utf-8"?>
+<file path=ppt/slides/slide11.xml><?xml version="1.0" encoding="utf-8"?>
 <p:sld xmlns:a="http://schemas.openxmlformats.org/drawingml/2006/main" xmlns:r="http://schemas.openxmlformats.org/officeDocument/2006/relationships" xmlns:p="http://schemas.openxmlformats.org/presentationml/2006/main">
   <p:cSld>
     <p:spTree>
@@ -5833,7 +4613,7 @@
             </a:pPr>
             <a:fld id="{00000000-1234-1234-1234-123412341234}" type="slidenum">
               <a:rPr lang="en" smtClean="0"/>
-              <a:t>9</a:t>
+              <a:t>11</a:t>
             </a:fld>
             <a:endParaRPr lang="en"/>
           </a:p>
@@ -5843,6 +4623,1508 @@
     <p:extLst>
       <p:ext uri="{BB962C8B-B14F-4D97-AF65-F5344CB8AC3E}">
         <p14:creationId xmlns:p14="http://schemas.microsoft.com/office/powerpoint/2010/main" val="2863282085"/>
+      </p:ext>
+    </p:extLst>
+  </p:cSld>
+  <p:clrMapOvr>
+    <a:masterClrMapping/>
+  </p:clrMapOvr>
+</p:sld>
+</file>
+
+<file path=ppt/slides/slide2.xml><?xml version="1.0" encoding="utf-8"?>
+<p:sld xmlns:a="http://schemas.openxmlformats.org/drawingml/2006/main" xmlns:r="http://schemas.openxmlformats.org/officeDocument/2006/relationships" xmlns:p="http://schemas.openxmlformats.org/presentationml/2006/main">
+  <p:cSld>
+    <p:spTree>
+      <p:nvGrpSpPr>
+        <p:cNvPr id="1" name=""/>
+        <p:cNvGrpSpPr/>
+        <p:nvPr/>
+      </p:nvGrpSpPr>
+      <p:grpSpPr>
+        <a:xfrm>
+          <a:off x="0" y="0"/>
+          <a:ext cx="0" cy="0"/>
+          <a:chOff x="0" y="0"/>
+          <a:chExt cx="0" cy="0"/>
+        </a:xfrm>
+      </p:grpSpPr>
+      <p:sp>
+        <p:nvSpPr>
+          <p:cNvPr id="2" name="Title 1"/>
+          <p:cNvSpPr>
+            <a:spLocks noGrp="1"/>
+          </p:cNvSpPr>
+          <p:nvPr>
+            <p:ph type="title"/>
+          </p:nvPr>
+        </p:nvSpPr>
+        <p:spPr/>
+        <p:txBody>
+          <a:bodyPr/>
+          <a:lstStyle/>
+          <a:p>
+            <a:r>
+              <a:rPr lang="en-US"/>
+              <a:t>Agenda</a:t>
+            </a:r>
+          </a:p>
+        </p:txBody>
+      </p:sp>
+      <p:sp>
+        <p:nvSpPr>
+          <p:cNvPr id="3" name="Text Placeholder 2"/>
+          <p:cNvSpPr>
+            <a:spLocks noGrp="1"/>
+          </p:cNvSpPr>
+          <p:nvPr>
+            <p:ph type="body" idx="1"/>
+          </p:nvPr>
+        </p:nvSpPr>
+        <p:spPr>
+          <a:xfrm>
+            <a:off x="814275" y="1327349"/>
+            <a:ext cx="3836747" cy="3554750"/>
+          </a:xfrm>
+        </p:spPr>
+        <p:txBody>
+          <a:bodyPr/>
+          <a:lstStyle/>
+          <a:p>
+            <a:r>
+              <a:rPr lang="en-US"/>
+              <a:t>Problem Statement</a:t>
+            </a:r>
+          </a:p>
+          <a:p>
+            <a:r>
+              <a:rPr lang="en-US"/>
+              <a:t>Motivation</a:t>
+            </a:r>
+          </a:p>
+          <a:p>
+            <a:r>
+              <a:rPr lang="en-US"/>
+              <a:t>Background</a:t>
+            </a:r>
+          </a:p>
+          <a:p>
+            <a:r>
+              <a:rPr lang="en-US"/>
+              <a:t>Related Work</a:t>
+            </a:r>
+          </a:p>
+          <a:p>
+            <a:r>
+              <a:rPr lang="en-US"/>
+              <a:t>Approach</a:t>
+            </a:r>
+          </a:p>
+          <a:p>
+            <a:r>
+              <a:rPr lang="en-US"/>
+              <a:t>Design</a:t>
+            </a:r>
+          </a:p>
+          <a:p>
+            <a:r>
+              <a:rPr lang="en-US"/>
+              <a:t>Implementation</a:t>
+            </a:r>
+          </a:p>
+        </p:txBody>
+      </p:sp>
+      <p:sp>
+        <p:nvSpPr>
+          <p:cNvPr id="5" name="Text Placeholder 2"/>
+          <p:cNvSpPr txBox="1">
+            <a:spLocks/>
+          </p:cNvSpPr>
+          <p:nvPr/>
+        </p:nvSpPr>
+        <p:spPr>
+          <a:xfrm>
+            <a:off x="4651022" y="1327349"/>
+            <a:ext cx="3836747" cy="3554751"/>
+          </a:xfrm>
+          <a:prstGeom prst="rect">
+            <a:avLst/>
+          </a:prstGeom>
+          <a:noFill/>
+          <a:ln>
+            <a:noFill/>
+          </a:ln>
+        </p:spPr>
+        <p:txBody>
+          <a:bodyPr spcFirstLastPara="1" wrap="square" lIns="91425" tIns="91425" rIns="91425" bIns="91425" anchor="ctr" anchorCtr="0"/>
+          <a:lstStyle>
+            <a:defPPr marR="0" lvl="0" algn="l" rtl="0">
+              <a:lnSpc>
+                <a:spcPct val="100000"/>
+              </a:lnSpc>
+              <a:spcBef>
+                <a:spcPts val="0"/>
+              </a:spcBef>
+              <a:spcAft>
+                <a:spcPts val="0"/>
+              </a:spcAft>
+            </a:defPPr>
+            <a:lvl1pPr marL="457200" marR="0" lvl="0" indent="-381000" algn="l" rtl="0">
+              <a:lnSpc>
+                <a:spcPct val="100000"/>
+              </a:lnSpc>
+              <a:spcBef>
+                <a:spcPts val="600"/>
+              </a:spcBef>
+              <a:spcAft>
+                <a:spcPts val="0"/>
+              </a:spcAft>
+              <a:buClr>
+                <a:srgbClr val="C7D3E6"/>
+              </a:buClr>
+              <a:buSzPts val="2400"/>
+              <a:buFont typeface="Roboto Condensed Light"/>
+              <a:buChar char="▰"/>
+              <a:defRPr sz="2800" b="0" i="0" u="none" strike="noStrike" cap="none">
+                <a:solidFill>
+                  <a:srgbClr val="263248"/>
+                </a:solidFill>
+                <a:latin typeface="Roboto Condensed Light"/>
+                <a:ea typeface="Roboto Condensed Light"/>
+                <a:cs typeface="Roboto Condensed Light"/>
+                <a:sym typeface="Roboto Condensed Light"/>
+              </a:defRPr>
+            </a:lvl1pPr>
+            <a:lvl2pPr marL="914400" marR="0" lvl="1" indent="-381000" algn="l" rtl="0">
+              <a:lnSpc>
+                <a:spcPct val="100000"/>
+              </a:lnSpc>
+              <a:spcBef>
+                <a:spcPts val="1000"/>
+              </a:spcBef>
+              <a:spcAft>
+                <a:spcPts val="0"/>
+              </a:spcAft>
+              <a:buClr>
+                <a:srgbClr val="C7D3E6"/>
+              </a:buClr>
+              <a:buSzPts val="2400"/>
+              <a:buFont typeface="Roboto Condensed Light"/>
+              <a:buChar char="▻"/>
+              <a:defRPr sz="2400" b="0" i="0" u="none" strike="noStrike" cap="none">
+                <a:solidFill>
+                  <a:srgbClr val="263248"/>
+                </a:solidFill>
+                <a:latin typeface="Roboto Condensed Light"/>
+                <a:ea typeface="Roboto Condensed Light"/>
+                <a:cs typeface="Roboto Condensed Light"/>
+                <a:sym typeface="Roboto Condensed Light"/>
+              </a:defRPr>
+            </a:lvl2pPr>
+            <a:lvl3pPr marL="1371600" marR="0" lvl="2" indent="-381000" algn="l" rtl="0">
+              <a:lnSpc>
+                <a:spcPct val="100000"/>
+              </a:lnSpc>
+              <a:spcBef>
+                <a:spcPts val="1000"/>
+              </a:spcBef>
+              <a:spcAft>
+                <a:spcPts val="0"/>
+              </a:spcAft>
+              <a:buClr>
+                <a:srgbClr val="C7D3E6"/>
+              </a:buClr>
+              <a:buSzPts val="2400"/>
+              <a:buFont typeface="Roboto Condensed Light"/>
+              <a:buChar char="▻"/>
+              <a:defRPr sz="2400" b="0" i="0" u="none" strike="noStrike" cap="none">
+                <a:solidFill>
+                  <a:srgbClr val="263248"/>
+                </a:solidFill>
+                <a:latin typeface="Roboto Condensed Light"/>
+                <a:ea typeface="Roboto Condensed Light"/>
+                <a:cs typeface="Roboto Condensed Light"/>
+                <a:sym typeface="Roboto Condensed Light"/>
+              </a:defRPr>
+            </a:lvl3pPr>
+            <a:lvl4pPr marL="1828800" marR="0" lvl="3" indent="-381000" algn="l" rtl="0">
+              <a:lnSpc>
+                <a:spcPct val="100000"/>
+              </a:lnSpc>
+              <a:spcBef>
+                <a:spcPts val="1000"/>
+              </a:spcBef>
+              <a:spcAft>
+                <a:spcPts val="0"/>
+              </a:spcAft>
+              <a:buClr>
+                <a:srgbClr val="C7D3E6"/>
+              </a:buClr>
+              <a:buSzPts val="2400"/>
+              <a:buFont typeface="Roboto Condensed Light"/>
+              <a:buChar char="▻"/>
+              <a:defRPr sz="2400" b="0" i="0" u="none" strike="noStrike" cap="none">
+                <a:solidFill>
+                  <a:srgbClr val="263248"/>
+                </a:solidFill>
+                <a:latin typeface="Roboto Condensed Light"/>
+                <a:ea typeface="Roboto Condensed Light"/>
+                <a:cs typeface="Roboto Condensed Light"/>
+                <a:sym typeface="Roboto Condensed Light"/>
+              </a:defRPr>
+            </a:lvl4pPr>
+            <a:lvl5pPr marL="2286000" marR="0" lvl="4" indent="-381000" algn="l" rtl="0">
+              <a:lnSpc>
+                <a:spcPct val="100000"/>
+              </a:lnSpc>
+              <a:spcBef>
+                <a:spcPts val="1000"/>
+              </a:spcBef>
+              <a:spcAft>
+                <a:spcPts val="0"/>
+              </a:spcAft>
+              <a:buClr>
+                <a:srgbClr val="C7D3E6"/>
+              </a:buClr>
+              <a:buSzPts val="2400"/>
+              <a:buFont typeface="Roboto Condensed Light"/>
+              <a:buChar char="▻"/>
+              <a:defRPr sz="2400" b="0" i="0" u="none" strike="noStrike" cap="none">
+                <a:solidFill>
+                  <a:srgbClr val="263248"/>
+                </a:solidFill>
+                <a:latin typeface="Roboto Condensed Light"/>
+                <a:ea typeface="Roboto Condensed Light"/>
+                <a:cs typeface="Roboto Condensed Light"/>
+                <a:sym typeface="Roboto Condensed Light"/>
+              </a:defRPr>
+            </a:lvl5pPr>
+            <a:lvl6pPr marL="2743200" marR="0" lvl="5" indent="-381000" algn="l" rtl="0">
+              <a:lnSpc>
+                <a:spcPct val="100000"/>
+              </a:lnSpc>
+              <a:spcBef>
+                <a:spcPts val="1000"/>
+              </a:spcBef>
+              <a:spcAft>
+                <a:spcPts val="0"/>
+              </a:spcAft>
+              <a:buClr>
+                <a:srgbClr val="C7D3E6"/>
+              </a:buClr>
+              <a:buSzPts val="2400"/>
+              <a:buFont typeface="Roboto Condensed Light"/>
+              <a:buChar char="▻"/>
+              <a:defRPr sz="2400" b="0" i="0" u="none" strike="noStrike" cap="none">
+                <a:solidFill>
+                  <a:srgbClr val="263248"/>
+                </a:solidFill>
+                <a:latin typeface="Roboto Condensed Light"/>
+                <a:ea typeface="Roboto Condensed Light"/>
+                <a:cs typeface="Roboto Condensed Light"/>
+                <a:sym typeface="Roboto Condensed Light"/>
+              </a:defRPr>
+            </a:lvl6pPr>
+            <a:lvl7pPr marL="3200400" marR="0" lvl="6" indent="-381000" algn="l" rtl="0">
+              <a:lnSpc>
+                <a:spcPct val="100000"/>
+              </a:lnSpc>
+              <a:spcBef>
+                <a:spcPts val="1000"/>
+              </a:spcBef>
+              <a:spcAft>
+                <a:spcPts val="0"/>
+              </a:spcAft>
+              <a:buClr>
+                <a:srgbClr val="C7D3E6"/>
+              </a:buClr>
+              <a:buSzPts val="2400"/>
+              <a:buFont typeface="Roboto Condensed Light"/>
+              <a:buChar char="▻"/>
+              <a:defRPr sz="2400" b="0" i="0" u="none" strike="noStrike" cap="none">
+                <a:solidFill>
+                  <a:srgbClr val="263248"/>
+                </a:solidFill>
+                <a:latin typeface="Roboto Condensed Light"/>
+                <a:ea typeface="Roboto Condensed Light"/>
+                <a:cs typeface="Roboto Condensed Light"/>
+                <a:sym typeface="Roboto Condensed Light"/>
+              </a:defRPr>
+            </a:lvl7pPr>
+            <a:lvl8pPr marL="3657600" marR="0" lvl="7" indent="-381000" algn="l" rtl="0">
+              <a:lnSpc>
+                <a:spcPct val="100000"/>
+              </a:lnSpc>
+              <a:spcBef>
+                <a:spcPts val="1000"/>
+              </a:spcBef>
+              <a:spcAft>
+                <a:spcPts val="0"/>
+              </a:spcAft>
+              <a:buClr>
+                <a:srgbClr val="C7D3E6"/>
+              </a:buClr>
+              <a:buSzPts val="2400"/>
+              <a:buFont typeface="Roboto Condensed Light"/>
+              <a:buChar char="▻"/>
+              <a:defRPr sz="2400" b="0" i="0" u="none" strike="noStrike" cap="none">
+                <a:solidFill>
+                  <a:srgbClr val="263248"/>
+                </a:solidFill>
+                <a:latin typeface="Roboto Condensed Light"/>
+                <a:ea typeface="Roboto Condensed Light"/>
+                <a:cs typeface="Roboto Condensed Light"/>
+                <a:sym typeface="Roboto Condensed Light"/>
+              </a:defRPr>
+            </a:lvl8pPr>
+            <a:lvl9pPr marL="4114800" marR="0" lvl="8" indent="-381000" algn="l" rtl="0">
+              <a:lnSpc>
+                <a:spcPct val="100000"/>
+              </a:lnSpc>
+              <a:spcBef>
+                <a:spcPts val="1000"/>
+              </a:spcBef>
+              <a:spcAft>
+                <a:spcPts val="1000"/>
+              </a:spcAft>
+              <a:buClr>
+                <a:srgbClr val="C7D3E6"/>
+              </a:buClr>
+              <a:buSzPts val="2400"/>
+              <a:buFont typeface="Roboto Condensed Light"/>
+              <a:buChar char="▻"/>
+              <a:defRPr sz="2400" b="0" i="0" u="none" strike="noStrike" cap="none">
+                <a:solidFill>
+                  <a:srgbClr val="263248"/>
+                </a:solidFill>
+                <a:latin typeface="Roboto Condensed Light"/>
+                <a:ea typeface="Roboto Condensed Light"/>
+                <a:cs typeface="Roboto Condensed Light"/>
+                <a:sym typeface="Roboto Condensed Light"/>
+              </a:defRPr>
+            </a:lvl9pPr>
+          </a:lstStyle>
+          <a:p>
+            <a:r>
+              <a:rPr lang="en-US"/>
+              <a:t>Data Collection</a:t>
+            </a:r>
+          </a:p>
+          <a:p>
+            <a:r>
+              <a:rPr lang="en-US"/>
+              <a:t>Data Analysis</a:t>
+            </a:r>
+          </a:p>
+          <a:p>
+            <a:r>
+              <a:rPr lang="en-US"/>
+              <a:t>Findings</a:t>
+            </a:r>
+          </a:p>
+          <a:p>
+            <a:r>
+              <a:rPr lang="en-US"/>
+              <a:t>Conclusions</a:t>
+            </a:r>
+          </a:p>
+          <a:p>
+            <a:r>
+              <a:rPr lang="en-US"/>
+              <a:t>Future Work</a:t>
+            </a:r>
+          </a:p>
+          <a:p>
+            <a:r>
+              <a:rPr lang="en-US"/>
+              <a:t>Key References</a:t>
+            </a:r>
+          </a:p>
+          <a:p>
+            <a:r>
+              <a:rPr lang="en-US"/>
+              <a:t>Q&amp;A</a:t>
+            </a:r>
+          </a:p>
+        </p:txBody>
+      </p:sp>
+      <p:sp>
+        <p:nvSpPr>
+          <p:cNvPr id="6" name="Slide Number Placeholder 5"/>
+          <p:cNvSpPr>
+            <a:spLocks noGrp="1"/>
+          </p:cNvSpPr>
+          <p:nvPr>
+            <p:ph type="sldNum" idx="12"/>
+          </p:nvPr>
+        </p:nvSpPr>
+        <p:spPr/>
+        <p:txBody>
+          <a:bodyPr/>
+          <a:lstStyle/>
+          <a:p>
+            <a:pPr marL="0" lvl="0" indent="0" algn="r" rtl="0">
+              <a:spcBef>
+                <a:spcPts val="0"/>
+              </a:spcBef>
+              <a:spcAft>
+                <a:spcPts val="0"/>
+              </a:spcAft>
+              <a:buNone/>
+            </a:pPr>
+            <a:fld id="{00000000-1234-1234-1234-123412341234}" type="slidenum">
+              <a:rPr lang="en" smtClean="0"/>
+              <a:t>2</a:t>
+            </a:fld>
+            <a:endParaRPr lang="en"/>
+          </a:p>
+        </p:txBody>
+      </p:sp>
+    </p:spTree>
+    <p:extLst>
+      <p:ext uri="{BB962C8B-B14F-4D97-AF65-F5344CB8AC3E}">
+        <p14:creationId xmlns:p14="http://schemas.microsoft.com/office/powerpoint/2010/main" val="2425647436"/>
+      </p:ext>
+    </p:extLst>
+  </p:cSld>
+  <p:clrMapOvr>
+    <a:masterClrMapping/>
+  </p:clrMapOvr>
+</p:sld>
+</file>
+
+<file path=ppt/slides/slide3.xml><?xml version="1.0" encoding="utf-8"?>
+<p:sld xmlns:a="http://schemas.openxmlformats.org/drawingml/2006/main" xmlns:r="http://schemas.openxmlformats.org/officeDocument/2006/relationships" xmlns:p="http://schemas.openxmlformats.org/presentationml/2006/main">
+  <p:cSld>
+    <p:spTree>
+      <p:nvGrpSpPr>
+        <p:cNvPr id="1" name=""/>
+        <p:cNvGrpSpPr/>
+        <p:nvPr/>
+      </p:nvGrpSpPr>
+      <p:grpSpPr>
+        <a:xfrm>
+          <a:off x="0" y="0"/>
+          <a:ext cx="0" cy="0"/>
+          <a:chOff x="0" y="0"/>
+          <a:chExt cx="0" cy="0"/>
+        </a:xfrm>
+      </p:grpSpPr>
+      <p:sp>
+        <p:nvSpPr>
+          <p:cNvPr id="2" name="Title 1"/>
+          <p:cNvSpPr>
+            <a:spLocks noGrp="1"/>
+          </p:cNvSpPr>
+          <p:nvPr>
+            <p:ph type="title"/>
+          </p:nvPr>
+        </p:nvSpPr>
+        <p:spPr/>
+        <p:txBody>
+          <a:bodyPr/>
+          <a:lstStyle/>
+          <a:p>
+            <a:r>
+              <a:rPr lang="en-US"/>
+              <a:t>Problem Statement</a:t>
+            </a:r>
+          </a:p>
+        </p:txBody>
+      </p:sp>
+      <p:sp>
+        <p:nvSpPr>
+          <p:cNvPr id="3" name="Text Placeholder 2"/>
+          <p:cNvSpPr>
+            <a:spLocks noGrp="1"/>
+          </p:cNvSpPr>
+          <p:nvPr>
+            <p:ph type="body" idx="1"/>
+          </p:nvPr>
+        </p:nvSpPr>
+        <p:spPr/>
+        <p:txBody>
+          <a:bodyPr/>
+          <a:lstStyle/>
+          <a:p>
+            <a:r>
+              <a:rPr lang="en-US" dirty="0"/>
+              <a:t>Recent advances in LLM powered chatbots have enabled users to chat with a variety of document-based sources. Can a similar solution be employed to allow a user to communicate in natural language with a SQL based database?</a:t>
+            </a:r>
+          </a:p>
+        </p:txBody>
+      </p:sp>
+      <p:sp>
+        <p:nvSpPr>
+          <p:cNvPr id="5" name="Slide Number Placeholder 4"/>
+          <p:cNvSpPr>
+            <a:spLocks noGrp="1"/>
+          </p:cNvSpPr>
+          <p:nvPr>
+            <p:ph type="sldNum" idx="12"/>
+          </p:nvPr>
+        </p:nvSpPr>
+        <p:spPr/>
+        <p:txBody>
+          <a:bodyPr/>
+          <a:lstStyle/>
+          <a:p>
+            <a:pPr marL="0" lvl="0" indent="0" algn="r" rtl="0">
+              <a:spcBef>
+                <a:spcPts val="0"/>
+              </a:spcBef>
+              <a:spcAft>
+                <a:spcPts val="0"/>
+              </a:spcAft>
+              <a:buNone/>
+            </a:pPr>
+            <a:fld id="{00000000-1234-1234-1234-123412341234}" type="slidenum">
+              <a:rPr lang="en" smtClean="0"/>
+              <a:t>3</a:t>
+            </a:fld>
+            <a:endParaRPr lang="en"/>
+          </a:p>
+        </p:txBody>
+      </p:sp>
+    </p:spTree>
+    <p:extLst>
+      <p:ext uri="{BB962C8B-B14F-4D97-AF65-F5344CB8AC3E}">
+        <p14:creationId xmlns:p14="http://schemas.microsoft.com/office/powerpoint/2010/main" val="3443371739"/>
+      </p:ext>
+    </p:extLst>
+  </p:cSld>
+  <p:clrMapOvr>
+    <a:masterClrMapping/>
+  </p:clrMapOvr>
+</p:sld>
+</file>
+
+<file path=ppt/slides/slide4.xml><?xml version="1.0" encoding="utf-8"?>
+<p:sld xmlns:a="http://schemas.openxmlformats.org/drawingml/2006/main" xmlns:r="http://schemas.openxmlformats.org/officeDocument/2006/relationships" xmlns:p="http://schemas.openxmlformats.org/presentationml/2006/main">
+  <p:cSld>
+    <p:spTree>
+      <p:nvGrpSpPr>
+        <p:cNvPr id="1" name=""/>
+        <p:cNvGrpSpPr/>
+        <p:nvPr/>
+      </p:nvGrpSpPr>
+      <p:grpSpPr>
+        <a:xfrm>
+          <a:off x="0" y="0"/>
+          <a:ext cx="0" cy="0"/>
+          <a:chOff x="0" y="0"/>
+          <a:chExt cx="0" cy="0"/>
+        </a:xfrm>
+      </p:grpSpPr>
+      <p:sp>
+        <p:nvSpPr>
+          <p:cNvPr id="2" name="Title 1"/>
+          <p:cNvSpPr>
+            <a:spLocks noGrp="1"/>
+          </p:cNvSpPr>
+          <p:nvPr>
+            <p:ph type="title"/>
+          </p:nvPr>
+        </p:nvSpPr>
+        <p:spPr/>
+        <p:txBody>
+          <a:bodyPr/>
+          <a:lstStyle/>
+          <a:p>
+            <a:r>
+              <a:rPr lang="en-US" dirty="0"/>
+              <a:t>Motivation</a:t>
+            </a:r>
+          </a:p>
+        </p:txBody>
+      </p:sp>
+      <p:sp>
+        <p:nvSpPr>
+          <p:cNvPr id="3" name="Text Placeholder 2"/>
+          <p:cNvSpPr>
+            <a:spLocks noGrp="1"/>
+          </p:cNvSpPr>
+          <p:nvPr>
+            <p:ph type="body" idx="1"/>
+          </p:nvPr>
+        </p:nvSpPr>
+        <p:spPr/>
+        <p:txBody>
+          <a:bodyPr/>
+          <a:lstStyle/>
+          <a:p>
+            <a:r>
+              <a:rPr lang="en-US" dirty="0"/>
+              <a:t>Simplifying Database Querying</a:t>
+            </a:r>
+          </a:p>
+          <a:p>
+            <a:pPr lvl="1"/>
+            <a:r>
+              <a:rPr lang="en-US" dirty="0"/>
+              <a:t>SQL remains the dominant store of application data.</a:t>
+            </a:r>
+          </a:p>
+          <a:p>
+            <a:pPr lvl="1"/>
+            <a:r>
+              <a:rPr lang="en-US" dirty="0"/>
+              <a:t>SQL querying requires specific training</a:t>
+            </a:r>
+          </a:p>
+        </p:txBody>
+      </p:sp>
+      <p:sp>
+        <p:nvSpPr>
+          <p:cNvPr id="5" name="Slide Number Placeholder 4"/>
+          <p:cNvSpPr>
+            <a:spLocks noGrp="1"/>
+          </p:cNvSpPr>
+          <p:nvPr>
+            <p:ph type="sldNum" idx="12"/>
+          </p:nvPr>
+        </p:nvSpPr>
+        <p:spPr/>
+        <p:txBody>
+          <a:bodyPr/>
+          <a:lstStyle/>
+          <a:p>
+            <a:pPr marL="0" lvl="0" indent="0" algn="r" rtl="0">
+              <a:spcBef>
+                <a:spcPts val="0"/>
+              </a:spcBef>
+              <a:spcAft>
+                <a:spcPts val="0"/>
+              </a:spcAft>
+              <a:buNone/>
+            </a:pPr>
+            <a:fld id="{00000000-1234-1234-1234-123412341234}" type="slidenum">
+              <a:rPr lang="en" smtClean="0"/>
+              <a:t>4</a:t>
+            </a:fld>
+            <a:endParaRPr lang="en"/>
+          </a:p>
+        </p:txBody>
+      </p:sp>
+    </p:spTree>
+    <p:extLst>
+      <p:ext uri="{BB962C8B-B14F-4D97-AF65-F5344CB8AC3E}">
+        <p14:creationId xmlns:p14="http://schemas.microsoft.com/office/powerpoint/2010/main" val="229138954"/>
+      </p:ext>
+    </p:extLst>
+  </p:cSld>
+  <p:clrMapOvr>
+    <a:masterClrMapping/>
+  </p:clrMapOvr>
+</p:sld>
+</file>
+
+<file path=ppt/slides/slide5.xml><?xml version="1.0" encoding="utf-8"?>
+<p:sld xmlns:a="http://schemas.openxmlformats.org/drawingml/2006/main" xmlns:r="http://schemas.openxmlformats.org/officeDocument/2006/relationships" xmlns:p="http://schemas.openxmlformats.org/presentationml/2006/main">
+  <p:cSld>
+    <p:spTree>
+      <p:nvGrpSpPr>
+        <p:cNvPr id="1" name=""/>
+        <p:cNvGrpSpPr/>
+        <p:nvPr/>
+      </p:nvGrpSpPr>
+      <p:grpSpPr>
+        <a:xfrm>
+          <a:off x="0" y="0"/>
+          <a:ext cx="0" cy="0"/>
+          <a:chOff x="0" y="0"/>
+          <a:chExt cx="0" cy="0"/>
+        </a:xfrm>
+      </p:grpSpPr>
+      <p:sp>
+        <p:nvSpPr>
+          <p:cNvPr id="2" name="Title 1"/>
+          <p:cNvSpPr>
+            <a:spLocks noGrp="1"/>
+          </p:cNvSpPr>
+          <p:nvPr>
+            <p:ph type="title"/>
+          </p:nvPr>
+        </p:nvSpPr>
+        <p:spPr/>
+        <p:txBody>
+          <a:bodyPr/>
+          <a:lstStyle/>
+          <a:p>
+            <a:r>
+              <a:rPr lang="en-US" dirty="0"/>
+              <a:t>Motivation</a:t>
+            </a:r>
+          </a:p>
+        </p:txBody>
+      </p:sp>
+      <p:sp>
+        <p:nvSpPr>
+          <p:cNvPr id="3" name="Text Placeholder 2"/>
+          <p:cNvSpPr>
+            <a:spLocks noGrp="1"/>
+          </p:cNvSpPr>
+          <p:nvPr>
+            <p:ph type="body" idx="1"/>
+          </p:nvPr>
+        </p:nvSpPr>
+        <p:spPr/>
+        <p:txBody>
+          <a:bodyPr/>
+          <a:lstStyle/>
+          <a:p>
+            <a:r>
+              <a:rPr lang="en-US" dirty="0"/>
+              <a:t>Possible solutions</a:t>
+            </a:r>
+          </a:p>
+          <a:p>
+            <a:pPr lvl="1"/>
+            <a:r>
+              <a:rPr lang="en-US" dirty="0"/>
+              <a:t>LLM generated SQL Queries</a:t>
+            </a:r>
+          </a:p>
+          <a:p>
+            <a:pPr lvl="1"/>
+            <a:r>
+              <a:rPr lang="en-US" dirty="0"/>
+              <a:t>Transformation of SQL Data</a:t>
+            </a:r>
+          </a:p>
+          <a:p>
+            <a:pPr lvl="1"/>
+            <a:endParaRPr lang="en-US" dirty="0"/>
+          </a:p>
+        </p:txBody>
+      </p:sp>
+      <p:sp>
+        <p:nvSpPr>
+          <p:cNvPr id="5" name="Slide Number Placeholder 4"/>
+          <p:cNvSpPr>
+            <a:spLocks noGrp="1"/>
+          </p:cNvSpPr>
+          <p:nvPr>
+            <p:ph type="sldNum" idx="12"/>
+          </p:nvPr>
+        </p:nvSpPr>
+        <p:spPr/>
+        <p:txBody>
+          <a:bodyPr/>
+          <a:lstStyle/>
+          <a:p>
+            <a:pPr marL="0" lvl="0" indent="0" algn="r" rtl="0">
+              <a:spcBef>
+                <a:spcPts val="0"/>
+              </a:spcBef>
+              <a:spcAft>
+                <a:spcPts val="0"/>
+              </a:spcAft>
+              <a:buNone/>
+            </a:pPr>
+            <a:fld id="{00000000-1234-1234-1234-123412341234}" type="slidenum">
+              <a:rPr lang="en" smtClean="0"/>
+              <a:t>5</a:t>
+            </a:fld>
+            <a:endParaRPr lang="en"/>
+          </a:p>
+        </p:txBody>
+      </p:sp>
+    </p:spTree>
+    <p:extLst>
+      <p:ext uri="{BB962C8B-B14F-4D97-AF65-F5344CB8AC3E}">
+        <p14:creationId xmlns:p14="http://schemas.microsoft.com/office/powerpoint/2010/main" val="3654835111"/>
+      </p:ext>
+    </p:extLst>
+  </p:cSld>
+  <p:clrMapOvr>
+    <a:masterClrMapping/>
+  </p:clrMapOvr>
+</p:sld>
+</file>
+
+<file path=ppt/slides/slide6.xml><?xml version="1.0" encoding="utf-8"?>
+<p:sld xmlns:a="http://schemas.openxmlformats.org/drawingml/2006/main" xmlns:r="http://schemas.openxmlformats.org/officeDocument/2006/relationships" xmlns:p="http://schemas.openxmlformats.org/presentationml/2006/main">
+  <p:cSld>
+    <p:spTree>
+      <p:nvGrpSpPr>
+        <p:cNvPr id="1" name=""/>
+        <p:cNvGrpSpPr/>
+        <p:nvPr/>
+      </p:nvGrpSpPr>
+      <p:grpSpPr>
+        <a:xfrm>
+          <a:off x="0" y="0"/>
+          <a:ext cx="0" cy="0"/>
+          <a:chOff x="0" y="0"/>
+          <a:chExt cx="0" cy="0"/>
+        </a:xfrm>
+      </p:grpSpPr>
+      <p:sp>
+        <p:nvSpPr>
+          <p:cNvPr id="2" name="Title 1"/>
+          <p:cNvSpPr>
+            <a:spLocks noGrp="1"/>
+          </p:cNvSpPr>
+          <p:nvPr>
+            <p:ph type="title"/>
+          </p:nvPr>
+        </p:nvSpPr>
+        <p:spPr/>
+        <p:txBody>
+          <a:bodyPr/>
+          <a:lstStyle/>
+          <a:p>
+            <a:r>
+              <a:rPr lang="en-US" dirty="0"/>
+              <a:t>Related Work</a:t>
+            </a:r>
+          </a:p>
+        </p:txBody>
+      </p:sp>
+      <p:sp>
+        <p:nvSpPr>
+          <p:cNvPr id="3" name="Text Placeholder 2"/>
+          <p:cNvSpPr>
+            <a:spLocks noGrp="1"/>
+          </p:cNvSpPr>
+          <p:nvPr>
+            <p:ph type="body" idx="1"/>
+          </p:nvPr>
+        </p:nvSpPr>
+        <p:spPr/>
+        <p:txBody>
+          <a:bodyPr/>
+          <a:lstStyle/>
+          <a:p>
+            <a:r>
+              <a:rPr lang="en-US" dirty="0" err="1"/>
+              <a:t>LangChain</a:t>
+            </a:r>
+            <a:r>
+              <a:rPr lang="en-US" dirty="0"/>
+              <a:t> Official Documentation</a:t>
+            </a:r>
+          </a:p>
+          <a:p>
+            <a:pPr marL="457200" lvl="1"/>
+            <a:r>
+              <a:rPr lang="en-US" sz="1000" dirty="0">
+                <a:effectLst/>
+                <a:latin typeface="Verdana" panose="020B0604030504040204" pitchFamily="34" charset="0"/>
+                <a:ea typeface="Times New Roman" panose="02020603050405020304" pitchFamily="18" charset="0"/>
+              </a:rPr>
+              <a:t>Retrieval-Augmented Generation (RAG) extends the capabilities of modern LLM based applications through innovative prompting and extension of context. The official </a:t>
+            </a:r>
+            <a:r>
+              <a:rPr lang="en-US" sz="1000" dirty="0" err="1">
+                <a:effectLst/>
+                <a:latin typeface="Verdana" panose="020B0604030504040204" pitchFamily="34" charset="0"/>
+                <a:ea typeface="Times New Roman" panose="02020603050405020304" pitchFamily="18" charset="0"/>
+              </a:rPr>
+              <a:t>LangChain</a:t>
+            </a:r>
+            <a:r>
+              <a:rPr lang="en-US" sz="1000" dirty="0">
+                <a:effectLst/>
+                <a:latin typeface="Verdana" panose="020B0604030504040204" pitchFamily="34" charset="0"/>
+                <a:ea typeface="Times New Roman" panose="02020603050405020304" pitchFamily="18" charset="0"/>
+              </a:rPr>
+              <a:t> documentation is one of the best resources that I have found pertaining to RAG. While it is not a traditional academic source, I believe it should be considered a very strong source. </a:t>
+            </a:r>
+            <a:r>
+              <a:rPr lang="en-US" sz="1000" dirty="0" err="1">
+                <a:effectLst/>
+                <a:latin typeface="Verdana" panose="020B0604030504040204" pitchFamily="34" charset="0"/>
+                <a:ea typeface="Times New Roman" panose="02020603050405020304" pitchFamily="18" charset="0"/>
+              </a:rPr>
+              <a:t>LangChain</a:t>
+            </a:r>
+            <a:r>
+              <a:rPr lang="en-US" sz="1000" dirty="0">
+                <a:effectLst/>
+                <a:latin typeface="Verdana" panose="020B0604030504040204" pitchFamily="34" charset="0"/>
+                <a:ea typeface="Times New Roman" panose="02020603050405020304" pitchFamily="18" charset="0"/>
+              </a:rPr>
+              <a:t> (2023) outlines the RAG process can be broken down into indexing, retrieval and generation. This method improves the static nature of LLMs' by incorporating real-time data and expanding the training data of these models.</a:t>
+            </a:r>
+            <a:endParaRPr lang="en-US" sz="1000" dirty="0">
+              <a:effectLst/>
+              <a:latin typeface="Times New Roman" panose="02020603050405020304" pitchFamily="18" charset="0"/>
+              <a:ea typeface="Times New Roman" panose="02020603050405020304" pitchFamily="18" charset="0"/>
+            </a:endParaRPr>
+          </a:p>
+        </p:txBody>
+      </p:sp>
+      <p:sp>
+        <p:nvSpPr>
+          <p:cNvPr id="5" name="Slide Number Placeholder 4"/>
+          <p:cNvSpPr>
+            <a:spLocks noGrp="1"/>
+          </p:cNvSpPr>
+          <p:nvPr>
+            <p:ph type="sldNum" idx="12"/>
+          </p:nvPr>
+        </p:nvSpPr>
+        <p:spPr/>
+        <p:txBody>
+          <a:bodyPr/>
+          <a:lstStyle/>
+          <a:p>
+            <a:pPr marL="0" lvl="0" indent="0" algn="r" rtl="0">
+              <a:spcBef>
+                <a:spcPts val="0"/>
+              </a:spcBef>
+              <a:spcAft>
+                <a:spcPts val="0"/>
+              </a:spcAft>
+              <a:buNone/>
+            </a:pPr>
+            <a:fld id="{00000000-1234-1234-1234-123412341234}" type="slidenum">
+              <a:rPr lang="en" smtClean="0"/>
+              <a:t>6</a:t>
+            </a:fld>
+            <a:endParaRPr lang="en"/>
+          </a:p>
+        </p:txBody>
+      </p:sp>
+    </p:spTree>
+    <p:extLst>
+      <p:ext uri="{BB962C8B-B14F-4D97-AF65-F5344CB8AC3E}">
+        <p14:creationId xmlns:p14="http://schemas.microsoft.com/office/powerpoint/2010/main" val="341095708"/>
+      </p:ext>
+    </p:extLst>
+  </p:cSld>
+  <p:clrMapOvr>
+    <a:masterClrMapping/>
+  </p:clrMapOvr>
+</p:sld>
+</file>
+
+<file path=ppt/slides/slide7.xml><?xml version="1.0" encoding="utf-8"?>
+<p:sld xmlns:a="http://schemas.openxmlformats.org/drawingml/2006/main" xmlns:r="http://schemas.openxmlformats.org/officeDocument/2006/relationships" xmlns:p="http://schemas.openxmlformats.org/presentationml/2006/main">
+  <p:cSld>
+    <p:spTree>
+      <p:nvGrpSpPr>
+        <p:cNvPr id="1" name=""/>
+        <p:cNvGrpSpPr/>
+        <p:nvPr/>
+      </p:nvGrpSpPr>
+      <p:grpSpPr>
+        <a:xfrm>
+          <a:off x="0" y="0"/>
+          <a:ext cx="0" cy="0"/>
+          <a:chOff x="0" y="0"/>
+          <a:chExt cx="0" cy="0"/>
+        </a:xfrm>
+      </p:grpSpPr>
+      <p:sp>
+        <p:nvSpPr>
+          <p:cNvPr id="2" name="Title 1"/>
+          <p:cNvSpPr>
+            <a:spLocks noGrp="1"/>
+          </p:cNvSpPr>
+          <p:nvPr>
+            <p:ph type="title"/>
+          </p:nvPr>
+        </p:nvSpPr>
+        <p:spPr/>
+        <p:txBody>
+          <a:bodyPr/>
+          <a:lstStyle/>
+          <a:p>
+            <a:r>
+              <a:rPr lang="en-US" dirty="0"/>
+              <a:t>Related Work</a:t>
+            </a:r>
+          </a:p>
+        </p:txBody>
+      </p:sp>
+      <p:sp>
+        <p:nvSpPr>
+          <p:cNvPr id="3" name="Text Placeholder 2"/>
+          <p:cNvSpPr>
+            <a:spLocks noGrp="1"/>
+          </p:cNvSpPr>
+          <p:nvPr>
+            <p:ph type="body" idx="1"/>
+          </p:nvPr>
+        </p:nvSpPr>
+        <p:spPr/>
+        <p:txBody>
+          <a:bodyPr/>
+          <a:lstStyle/>
+          <a:p>
+            <a:r>
+              <a:rPr lang="en-US" dirty="0"/>
+              <a:t>COST EFFECTIVE TABULAR DATA</a:t>
+            </a:r>
+          </a:p>
+          <a:p>
+            <a:pPr marL="457200" lvl="1"/>
+            <a:r>
+              <a:rPr lang="en-US" sz="1400" dirty="0" err="1">
+                <a:effectLst/>
+                <a:latin typeface="Verdana" panose="020B0604030504040204" pitchFamily="34" charset="0"/>
+                <a:ea typeface="Times New Roman" panose="02020603050405020304" pitchFamily="18" charset="0"/>
+              </a:rPr>
+              <a:t>Einy</a:t>
+            </a:r>
+            <a:r>
+              <a:rPr lang="en-US" sz="1400" dirty="0">
+                <a:effectLst/>
+                <a:latin typeface="Verdana" panose="020B0604030504040204" pitchFamily="34" charset="0"/>
+                <a:ea typeface="Times New Roman" panose="02020603050405020304" pitchFamily="18" charset="0"/>
+              </a:rPr>
+              <a:t>, Milo, and </a:t>
+            </a:r>
+            <a:r>
+              <a:rPr lang="en-US" sz="1400" dirty="0" err="1">
+                <a:effectLst/>
+                <a:latin typeface="Verdana" panose="020B0604030504040204" pitchFamily="34" charset="0"/>
+                <a:ea typeface="Times New Roman" panose="02020603050405020304" pitchFamily="18" charset="0"/>
+              </a:rPr>
+              <a:t>Novgorodov</a:t>
+            </a:r>
+            <a:r>
+              <a:rPr lang="en-US" sz="1400" dirty="0">
+                <a:effectLst/>
+                <a:latin typeface="Verdana" panose="020B0604030504040204" pitchFamily="34" charset="0"/>
+                <a:ea typeface="Times New Roman" panose="02020603050405020304" pitchFamily="18" charset="0"/>
+              </a:rPr>
+              <a:t> (2024) researched a cost effecting technique for working with tabular data and LLMS. Through selective supplementation of available data, they were able to optimize for costs and accuracy. When working with RAG we are doing a similar style of operation. It might be possible to store and retrieve context in another location other than the LLM in order to improve performance and reduce tokens.</a:t>
+            </a:r>
+            <a:endParaRPr lang="en-US" sz="1400" dirty="0">
+              <a:effectLst/>
+              <a:latin typeface="Times New Roman" panose="02020603050405020304" pitchFamily="18" charset="0"/>
+              <a:ea typeface="Times New Roman" panose="02020603050405020304" pitchFamily="18" charset="0"/>
+            </a:endParaRPr>
+          </a:p>
+          <a:p>
+            <a:pPr lvl="1"/>
+            <a:endParaRPr lang="en-US" dirty="0"/>
+          </a:p>
+        </p:txBody>
+      </p:sp>
+      <p:sp>
+        <p:nvSpPr>
+          <p:cNvPr id="5" name="Slide Number Placeholder 4"/>
+          <p:cNvSpPr>
+            <a:spLocks noGrp="1"/>
+          </p:cNvSpPr>
+          <p:nvPr>
+            <p:ph type="sldNum" idx="12"/>
+          </p:nvPr>
+        </p:nvSpPr>
+        <p:spPr/>
+        <p:txBody>
+          <a:bodyPr/>
+          <a:lstStyle/>
+          <a:p>
+            <a:pPr marL="0" lvl="0" indent="0" algn="r" rtl="0">
+              <a:spcBef>
+                <a:spcPts val="0"/>
+              </a:spcBef>
+              <a:spcAft>
+                <a:spcPts val="0"/>
+              </a:spcAft>
+              <a:buNone/>
+            </a:pPr>
+            <a:fld id="{00000000-1234-1234-1234-123412341234}" type="slidenum">
+              <a:rPr lang="en" smtClean="0"/>
+              <a:t>7</a:t>
+            </a:fld>
+            <a:endParaRPr lang="en"/>
+          </a:p>
+        </p:txBody>
+      </p:sp>
+    </p:spTree>
+    <p:extLst>
+      <p:ext uri="{BB962C8B-B14F-4D97-AF65-F5344CB8AC3E}">
+        <p14:creationId xmlns:p14="http://schemas.microsoft.com/office/powerpoint/2010/main" val="1578574571"/>
+      </p:ext>
+    </p:extLst>
+  </p:cSld>
+  <p:clrMapOvr>
+    <a:masterClrMapping/>
+  </p:clrMapOvr>
+</p:sld>
+</file>
+
+<file path=ppt/slides/slide8.xml><?xml version="1.0" encoding="utf-8"?>
+<p:sld xmlns:a="http://schemas.openxmlformats.org/drawingml/2006/main" xmlns:r="http://schemas.openxmlformats.org/officeDocument/2006/relationships" xmlns:p="http://schemas.openxmlformats.org/presentationml/2006/main">
+  <p:cSld>
+    <p:spTree>
+      <p:nvGrpSpPr>
+        <p:cNvPr id="1" name=""/>
+        <p:cNvGrpSpPr/>
+        <p:nvPr/>
+      </p:nvGrpSpPr>
+      <p:grpSpPr>
+        <a:xfrm>
+          <a:off x="0" y="0"/>
+          <a:ext cx="0" cy="0"/>
+          <a:chOff x="0" y="0"/>
+          <a:chExt cx="0" cy="0"/>
+        </a:xfrm>
+      </p:grpSpPr>
+      <p:sp>
+        <p:nvSpPr>
+          <p:cNvPr id="2" name="Title 1">
+            <a:extLst>
+              <a:ext uri="{FF2B5EF4-FFF2-40B4-BE49-F238E27FC236}">
+                <a16:creationId xmlns:a16="http://schemas.microsoft.com/office/drawing/2014/main" id="{97195F9F-46F0-B5C3-0AC9-1BB3AEAAB62F}"/>
+              </a:ext>
+            </a:extLst>
+          </p:cNvPr>
+          <p:cNvSpPr>
+            <a:spLocks noGrp="1"/>
+          </p:cNvSpPr>
+          <p:nvPr>
+            <p:ph type="title"/>
+          </p:nvPr>
+        </p:nvSpPr>
+        <p:spPr/>
+        <p:txBody>
+          <a:bodyPr/>
+          <a:lstStyle/>
+          <a:p>
+            <a:r>
+              <a:rPr lang="en-US" dirty="0"/>
+              <a:t>Key References</a:t>
+            </a:r>
+          </a:p>
+        </p:txBody>
+      </p:sp>
+      <p:sp>
+        <p:nvSpPr>
+          <p:cNvPr id="3" name="Text Placeholder 2">
+            <a:extLst>
+              <a:ext uri="{FF2B5EF4-FFF2-40B4-BE49-F238E27FC236}">
+                <a16:creationId xmlns:a16="http://schemas.microsoft.com/office/drawing/2014/main" id="{A4201B05-64A8-70B2-79E4-B3B3BBB07C43}"/>
+              </a:ext>
+            </a:extLst>
+          </p:cNvPr>
+          <p:cNvSpPr>
+            <a:spLocks noGrp="1"/>
+          </p:cNvSpPr>
+          <p:nvPr>
+            <p:ph type="body" idx="1"/>
+          </p:nvPr>
+        </p:nvSpPr>
+        <p:spPr/>
+        <p:txBody>
+          <a:bodyPr/>
+          <a:lstStyle/>
+          <a:p>
+            <a:r>
+              <a:rPr lang="en-US" sz="1400" b="0" dirty="0" err="1">
+                <a:effectLst/>
+                <a:latin typeface="Verdana" panose="020B0604030504040204" pitchFamily="34" charset="0"/>
+              </a:rPr>
+              <a:t>Muludi</a:t>
+            </a:r>
+            <a:r>
+              <a:rPr lang="en-US" sz="1400" b="0" dirty="0">
+                <a:effectLst/>
+                <a:latin typeface="Verdana" panose="020B0604030504040204" pitchFamily="34" charset="0"/>
+              </a:rPr>
+              <a:t>, K., Fitria, K. M., </a:t>
+            </a:r>
+            <a:r>
+              <a:rPr lang="en-US" sz="1400" b="0" dirty="0" err="1">
+                <a:effectLst/>
+                <a:latin typeface="Verdana" panose="020B0604030504040204" pitchFamily="34" charset="0"/>
+              </a:rPr>
+              <a:t>Triloka</a:t>
+            </a:r>
+            <a:r>
+              <a:rPr lang="en-US" sz="1400" b="0" dirty="0">
+                <a:effectLst/>
+                <a:latin typeface="Verdana" panose="020B0604030504040204" pitchFamily="34" charset="0"/>
+              </a:rPr>
+              <a:t>, J., &amp; </a:t>
+            </a:r>
+            <a:r>
+              <a:rPr lang="en-US" sz="1400" b="0" dirty="0" err="1">
+                <a:effectLst/>
+                <a:latin typeface="Verdana" panose="020B0604030504040204" pitchFamily="34" charset="0"/>
+              </a:rPr>
+              <a:t>Sutedi</a:t>
+            </a:r>
+            <a:r>
+              <a:rPr lang="en-US" sz="1400" b="0" dirty="0">
+                <a:effectLst/>
+                <a:latin typeface="Verdana" panose="020B0604030504040204" pitchFamily="34" charset="0"/>
+              </a:rPr>
+              <a:t>. (2024). Retrieval-Augmented Generation Approach: Document Question Answering using Large Language Model. International Journal of Advanced Computer Science and Applications (IJACSA), 15(3), 776-785. </a:t>
+            </a:r>
+            <a:r>
+              <a:rPr lang="en-US" sz="1400" b="0" u="sng" dirty="0">
+                <a:solidFill>
+                  <a:srgbClr val="0000FF"/>
+                </a:solidFill>
+                <a:effectLst/>
+                <a:latin typeface="Verdana" panose="020B0604030504040204" pitchFamily="34" charset="0"/>
+                <a:hlinkClick r:id="rId2"/>
+              </a:rPr>
+              <a:t>https://doi.org/10.14569/IJACSA.2024.0150324</a:t>
+            </a:r>
+            <a:endParaRPr lang="en-US" sz="1400" b="1" dirty="0">
+              <a:effectLst/>
+              <a:latin typeface="Times New Roman" panose="02020603050405020304" pitchFamily="18" charset="0"/>
+            </a:endParaRPr>
+          </a:p>
+          <a:p>
+            <a:r>
+              <a:rPr lang="en-US" sz="1400" b="0" dirty="0" err="1">
+                <a:effectLst/>
+                <a:latin typeface="Verdana" panose="020B0604030504040204" pitchFamily="34" charset="0"/>
+              </a:rPr>
+              <a:t>Oshin</a:t>
+            </a:r>
+            <a:r>
+              <a:rPr lang="en-US" sz="1400" b="0" dirty="0">
+                <a:effectLst/>
+                <a:latin typeface="Verdana" panose="020B0604030504040204" pitchFamily="34" charset="0"/>
+              </a:rPr>
+              <a:t>, M., &amp; Campos, N. (2024). Learning </a:t>
+            </a:r>
+            <a:r>
+              <a:rPr lang="en-US" sz="1400" b="0" dirty="0" err="1">
+                <a:effectLst/>
+                <a:latin typeface="Verdana" panose="020B0604030504040204" pitchFamily="34" charset="0"/>
+              </a:rPr>
+              <a:t>LangChain</a:t>
+            </a:r>
+            <a:r>
+              <a:rPr lang="en-US" sz="1400" b="0" dirty="0">
+                <a:effectLst/>
+                <a:latin typeface="Verdana" panose="020B0604030504040204" pitchFamily="34" charset="0"/>
+              </a:rPr>
+              <a:t>: Build an AI Chatbot Trained on Your Data. O'Reilly Media.</a:t>
+            </a:r>
+            <a:endParaRPr lang="en-US" sz="1400" b="1" dirty="0">
+              <a:effectLst/>
+              <a:latin typeface="Times New Roman" panose="02020603050405020304" pitchFamily="18" charset="0"/>
+            </a:endParaRPr>
+          </a:p>
+          <a:p>
+            <a:endParaRPr lang="en-US" sz="1400" dirty="0"/>
+          </a:p>
+        </p:txBody>
+      </p:sp>
+      <p:sp>
+        <p:nvSpPr>
+          <p:cNvPr id="4" name="Slide Number Placeholder 3">
+            <a:extLst>
+              <a:ext uri="{FF2B5EF4-FFF2-40B4-BE49-F238E27FC236}">
+                <a16:creationId xmlns:a16="http://schemas.microsoft.com/office/drawing/2014/main" id="{DB9983E3-136A-C135-59BF-F7A2785A087D}"/>
+              </a:ext>
+            </a:extLst>
+          </p:cNvPr>
+          <p:cNvSpPr>
+            <a:spLocks noGrp="1"/>
+          </p:cNvSpPr>
+          <p:nvPr>
+            <p:ph type="sldNum" idx="12"/>
+          </p:nvPr>
+        </p:nvSpPr>
+        <p:spPr/>
+        <p:txBody>
+          <a:bodyPr/>
+          <a:lstStyle/>
+          <a:p>
+            <a:pPr marL="0" lvl="0" indent="0" algn="r" rtl="0">
+              <a:spcBef>
+                <a:spcPts val="0"/>
+              </a:spcBef>
+              <a:spcAft>
+                <a:spcPts val="0"/>
+              </a:spcAft>
+              <a:buNone/>
+            </a:pPr>
+            <a:fld id="{00000000-1234-1234-1234-123412341234}" type="slidenum">
+              <a:rPr lang="en" smtClean="0"/>
+              <a:t>8</a:t>
+            </a:fld>
+            <a:endParaRPr lang="en"/>
+          </a:p>
+        </p:txBody>
+      </p:sp>
+    </p:spTree>
+    <p:extLst>
+      <p:ext uri="{BB962C8B-B14F-4D97-AF65-F5344CB8AC3E}">
+        <p14:creationId xmlns:p14="http://schemas.microsoft.com/office/powerpoint/2010/main" val="3080935024"/>
+      </p:ext>
+    </p:extLst>
+  </p:cSld>
+  <p:clrMapOvr>
+    <a:masterClrMapping/>
+  </p:clrMapOvr>
+</p:sld>
+</file>
+
+<file path=ppt/slides/slide9.xml><?xml version="1.0" encoding="utf-8"?>
+<p:sld xmlns:a="http://schemas.openxmlformats.org/drawingml/2006/main" xmlns:r="http://schemas.openxmlformats.org/officeDocument/2006/relationships" xmlns:p="http://schemas.openxmlformats.org/presentationml/2006/main">
+  <p:cSld>
+    <p:spTree>
+      <p:nvGrpSpPr>
+        <p:cNvPr id="1" name=""/>
+        <p:cNvGrpSpPr/>
+        <p:nvPr/>
+      </p:nvGrpSpPr>
+      <p:grpSpPr>
+        <a:xfrm>
+          <a:off x="0" y="0"/>
+          <a:ext cx="0" cy="0"/>
+          <a:chOff x="0" y="0"/>
+          <a:chExt cx="0" cy="0"/>
+        </a:xfrm>
+      </p:grpSpPr>
+      <p:sp>
+        <p:nvSpPr>
+          <p:cNvPr id="2" name="Title 1">
+            <a:extLst>
+              <a:ext uri="{FF2B5EF4-FFF2-40B4-BE49-F238E27FC236}">
+                <a16:creationId xmlns:a16="http://schemas.microsoft.com/office/drawing/2014/main" id="{C8CA4AD6-6B00-A8D5-7AF0-7A77AB5DD6A9}"/>
+              </a:ext>
+            </a:extLst>
+          </p:cNvPr>
+          <p:cNvSpPr>
+            <a:spLocks noGrp="1"/>
+          </p:cNvSpPr>
+          <p:nvPr>
+            <p:ph type="title"/>
+          </p:nvPr>
+        </p:nvSpPr>
+        <p:spPr/>
+        <p:txBody>
+          <a:bodyPr/>
+          <a:lstStyle/>
+          <a:p>
+            <a:r>
+              <a:rPr lang="en-US" dirty="0"/>
+              <a:t>Key References</a:t>
+            </a:r>
+          </a:p>
+        </p:txBody>
+      </p:sp>
+      <p:sp>
+        <p:nvSpPr>
+          <p:cNvPr id="3" name="Text Placeholder 2">
+            <a:extLst>
+              <a:ext uri="{FF2B5EF4-FFF2-40B4-BE49-F238E27FC236}">
+                <a16:creationId xmlns:a16="http://schemas.microsoft.com/office/drawing/2014/main" id="{3E84929F-817A-AABF-B5F4-86E67ACA1E37}"/>
+              </a:ext>
+            </a:extLst>
+          </p:cNvPr>
+          <p:cNvSpPr>
+            <a:spLocks noGrp="1"/>
+          </p:cNvSpPr>
+          <p:nvPr>
+            <p:ph type="body" idx="1"/>
+          </p:nvPr>
+        </p:nvSpPr>
+        <p:spPr/>
+        <p:txBody>
+          <a:bodyPr/>
+          <a:lstStyle/>
+          <a:p>
+            <a:r>
+              <a:rPr lang="en-US" sz="1800" b="0" dirty="0">
+                <a:effectLst/>
+                <a:latin typeface="Verdana" panose="020B0604030504040204" pitchFamily="34" charset="0"/>
+              </a:rPr>
+              <a:t>OpenAI. (2023, March 15). Exploring RAG: Retrieval-Augmented Generation for NLP [Video]. YouTube. </a:t>
+            </a:r>
+            <a:r>
+              <a:rPr lang="en-US" sz="1800" b="0" u="sng" dirty="0">
+                <a:solidFill>
+                  <a:srgbClr val="0000FF"/>
+                </a:solidFill>
+                <a:effectLst/>
+                <a:latin typeface="Verdana" panose="020B0604030504040204" pitchFamily="34" charset="0"/>
+                <a:hlinkClick r:id="rId2"/>
+              </a:rPr>
+              <a:t>https://www.youtube.com/watch?v=KSbxwbLkhCQ</a:t>
+            </a:r>
+            <a:endParaRPr lang="en-US" sz="1800" b="1" dirty="0">
+              <a:effectLst/>
+              <a:latin typeface="Times New Roman" panose="02020603050405020304" pitchFamily="18" charset="0"/>
+            </a:endParaRPr>
+          </a:p>
+          <a:p>
+            <a:r>
+              <a:rPr lang="en-US" sz="1800" b="0" dirty="0">
+                <a:effectLst/>
+                <a:latin typeface="Verdana" panose="020B0604030504040204" pitchFamily="34" charset="0"/>
+              </a:rPr>
+              <a:t>Mehul, J. (2023, January 13). RAG Part 4: Indexing. Medium. </a:t>
+            </a:r>
+            <a:r>
+              <a:rPr lang="en-US" sz="1800" b="0" u="sng" dirty="0">
+                <a:solidFill>
+                  <a:srgbClr val="0000FF"/>
+                </a:solidFill>
+                <a:effectLst/>
+                <a:latin typeface="Verdana" panose="020B0604030504040204" pitchFamily="34" charset="0"/>
+                <a:hlinkClick r:id="rId3"/>
+              </a:rPr>
+              <a:t>https://medium.com/@j13mehul/rag-part-4-indexing-1985f4000f72</a:t>
+            </a:r>
+            <a:endParaRPr lang="en-US" sz="1800" b="1" dirty="0">
+              <a:effectLst/>
+              <a:latin typeface="Times New Roman" panose="02020603050405020304" pitchFamily="18" charset="0"/>
+            </a:endParaRPr>
+          </a:p>
+          <a:p>
+            <a:endParaRPr lang="en-US" dirty="0"/>
+          </a:p>
+        </p:txBody>
+      </p:sp>
+      <p:sp>
+        <p:nvSpPr>
+          <p:cNvPr id="4" name="Slide Number Placeholder 3">
+            <a:extLst>
+              <a:ext uri="{FF2B5EF4-FFF2-40B4-BE49-F238E27FC236}">
+                <a16:creationId xmlns:a16="http://schemas.microsoft.com/office/drawing/2014/main" id="{67131539-0C86-22F6-B6F5-B3AE3F8FADB3}"/>
+              </a:ext>
+            </a:extLst>
+          </p:cNvPr>
+          <p:cNvSpPr>
+            <a:spLocks noGrp="1"/>
+          </p:cNvSpPr>
+          <p:nvPr>
+            <p:ph type="sldNum" idx="12"/>
+          </p:nvPr>
+        </p:nvSpPr>
+        <p:spPr/>
+        <p:txBody>
+          <a:bodyPr/>
+          <a:lstStyle/>
+          <a:p>
+            <a:pPr marL="0" lvl="0" indent="0" algn="r" rtl="0">
+              <a:spcBef>
+                <a:spcPts val="0"/>
+              </a:spcBef>
+              <a:spcAft>
+                <a:spcPts val="0"/>
+              </a:spcAft>
+              <a:buNone/>
+            </a:pPr>
+            <a:fld id="{00000000-1234-1234-1234-123412341234}" type="slidenum">
+              <a:rPr lang="en" smtClean="0"/>
+              <a:t>9</a:t>
+            </a:fld>
+            <a:endParaRPr lang="en"/>
+          </a:p>
+        </p:txBody>
+      </p:sp>
+    </p:spTree>
+    <p:extLst>
+      <p:ext uri="{BB962C8B-B14F-4D97-AF65-F5344CB8AC3E}">
+        <p14:creationId xmlns:p14="http://schemas.microsoft.com/office/powerpoint/2010/main" val="3358373749"/>
       </p:ext>
     </p:extLst>
   </p:cSld>
